--- a/Lecture/Web Scraping/Web_Scraping_Lecture.pptx
+++ b/Lecture/Web Scraping/Web_Scraping_Lecture.pptx
@@ -3446,7 +3446,7 @@
               <a:pPr>
                 <a:defRPr/>
               </a:pPr>
-              <a:t>9/20/2023</a:t>
+              <a:t>2/11/2025</a:t>
             </a:fld>
             <a:endParaRPr lang="en-US" dirty="0"/>
           </a:p>
@@ -3658,7 +3658,7 @@
               <a:pPr>
                 <a:defRPr/>
               </a:pPr>
-              <a:t>9/20/2023</a:t>
+              <a:t>2/11/2025</a:t>
             </a:fld>
             <a:endParaRPr lang="en-US" dirty="0"/>
           </a:p>
@@ -4177,7 +4177,7 @@
               <a:pPr>
                 <a:defRPr/>
               </a:pPr>
-              <a:t>9/20/2023</a:t>
+              <a:t>2/11/2025</a:t>
             </a:fld>
             <a:endParaRPr lang="en-US" dirty="0"/>
           </a:p>
@@ -4367,7 +4367,7 @@
               <a:pPr>
                 <a:defRPr/>
               </a:pPr>
-              <a:t>9/20/2023</a:t>
+              <a:t>2/11/2025</a:t>
             </a:fld>
             <a:endParaRPr lang="en-US" dirty="0"/>
           </a:p>
@@ -4567,7 +4567,7 @@
               <a:pPr>
                 <a:defRPr/>
               </a:pPr>
-              <a:t>9/20/2023</a:t>
+              <a:t>2/11/2025</a:t>
             </a:fld>
             <a:endParaRPr lang="en-US" dirty="0"/>
           </a:p>
@@ -4835,7 +4835,7 @@
               <a:pPr>
                 <a:defRPr/>
               </a:pPr>
-              <a:t>9/20/2023</a:t>
+              <a:t>2/11/2025</a:t>
             </a:fld>
             <a:endParaRPr lang="en-US" dirty="0">
               <a:solidFill>
@@ -5049,7 +5049,7 @@
               <a:pPr>
                 <a:defRPr/>
               </a:pPr>
-              <a:t>9/20/2023</a:t>
+              <a:t>2/11/2025</a:t>
             </a:fld>
             <a:endParaRPr lang="en-US" dirty="0">
               <a:solidFill>
@@ -5340,7 +5340,7 @@
               <a:pPr>
                 <a:defRPr/>
               </a:pPr>
-              <a:t>9/20/2023</a:t>
+              <a:t>2/11/2025</a:t>
             </a:fld>
             <a:endParaRPr lang="en-US" dirty="0">
               <a:solidFill>
@@ -5671,7 +5671,7 @@
               <a:pPr>
                 <a:defRPr/>
               </a:pPr>
-              <a:t>9/20/2023</a:t>
+              <a:t>2/11/2025</a:t>
             </a:fld>
             <a:endParaRPr lang="en-US" dirty="0">
               <a:solidFill>
@@ -6136,7 +6136,7 @@
               <a:pPr>
                 <a:defRPr/>
               </a:pPr>
-              <a:t>9/20/2023</a:t>
+              <a:t>2/11/2025</a:t>
             </a:fld>
             <a:endParaRPr lang="en-US" dirty="0">
               <a:solidFill>
@@ -6299,7 +6299,7 @@
               <a:pPr>
                 <a:defRPr/>
               </a:pPr>
-              <a:t>9/20/2023</a:t>
+              <a:t>2/11/2025</a:t>
             </a:fld>
             <a:endParaRPr lang="en-US" dirty="0">
               <a:solidFill>
@@ -6440,7 +6440,7 @@
               <a:pPr>
                 <a:defRPr/>
               </a:pPr>
-              <a:t>9/20/2023</a:t>
+              <a:t>2/11/2025</a:t>
             </a:fld>
             <a:endParaRPr lang="en-US" dirty="0">
               <a:solidFill>
@@ -6761,7 +6761,7 @@
               <a:pPr>
                 <a:defRPr/>
               </a:pPr>
-              <a:t>9/20/2023</a:t>
+              <a:t>2/11/2025</a:t>
             </a:fld>
             <a:endParaRPr lang="en-US" dirty="0">
               <a:solidFill>
@@ -6969,7 +6969,7 @@
               <a:pPr>
                 <a:defRPr/>
               </a:pPr>
-              <a:t>9/20/2023</a:t>
+              <a:t>2/11/2025</a:t>
             </a:fld>
             <a:endParaRPr lang="en-US" dirty="0"/>
           </a:p>
@@ -7252,7 +7252,7 @@
               <a:pPr>
                 <a:defRPr/>
               </a:pPr>
-              <a:t>9/20/2023</a:t>
+              <a:t>2/11/2025</a:t>
             </a:fld>
             <a:endParaRPr lang="en-US" dirty="0">
               <a:solidFill>
@@ -7466,7 +7466,7 @@
               <a:pPr>
                 <a:defRPr/>
               </a:pPr>
-              <a:t>9/20/2023</a:t>
+              <a:t>2/11/2025</a:t>
             </a:fld>
             <a:endParaRPr lang="en-US" dirty="0">
               <a:solidFill>
@@ -7690,7 +7690,7 @@
               <a:pPr>
                 <a:defRPr/>
               </a:pPr>
-              <a:t>9/20/2023</a:t>
+              <a:t>2/11/2025</a:t>
             </a:fld>
             <a:endParaRPr lang="en-US" dirty="0">
               <a:solidFill>
@@ -7900,7 +7900,7 @@
               <a:pPr>
                 <a:defRPr/>
               </a:pPr>
-              <a:t>9/20/2023</a:t>
+              <a:t>2/11/2025</a:t>
             </a:fld>
             <a:endParaRPr lang="en-US" dirty="0">
               <a:solidFill>
@@ -8177,7 +8177,7 @@
               <a:pPr>
                 <a:defRPr/>
               </a:pPr>
-              <a:t>9/20/2023</a:t>
+              <a:t>2/11/2025</a:t>
             </a:fld>
             <a:endParaRPr lang="en-US" dirty="0"/>
           </a:p>
@@ -8484,7 +8484,7 @@
               <a:pPr>
                 <a:defRPr/>
               </a:pPr>
-              <a:t>9/20/2023</a:t>
+              <a:t>2/11/2025</a:t>
             </a:fld>
             <a:endParaRPr lang="en-US" dirty="0"/>
           </a:p>
@@ -8925,7 +8925,7 @@
               <a:pPr>
                 <a:defRPr/>
               </a:pPr>
-              <a:t>9/20/2023</a:t>
+              <a:t>2/11/2025</a:t>
             </a:fld>
             <a:endParaRPr lang="en-US" dirty="0"/>
           </a:p>
@@ -9064,7 +9064,7 @@
               <a:pPr>
                 <a:defRPr/>
               </a:pPr>
-              <a:t>9/20/2023</a:t>
+              <a:t>2/11/2025</a:t>
             </a:fld>
             <a:endParaRPr lang="en-US" dirty="0"/>
           </a:p>
@@ -9181,7 +9181,7 @@
               <a:pPr>
                 <a:defRPr/>
               </a:pPr>
-              <a:t>9/20/2023</a:t>
+              <a:t>2/11/2025</a:t>
             </a:fld>
             <a:endParaRPr lang="en-US" dirty="0"/>
           </a:p>
@@ -9478,7 +9478,7 @@
               <a:pPr>
                 <a:defRPr/>
               </a:pPr>
-              <a:t>9/20/2023</a:t>
+              <a:t>2/11/2025</a:t>
             </a:fld>
             <a:endParaRPr lang="en-US" dirty="0"/>
           </a:p>
@@ -9755,7 +9755,7 @@
               <a:pPr>
                 <a:defRPr/>
               </a:pPr>
-              <a:t>9/20/2023</a:t>
+              <a:t>2/11/2025</a:t>
             </a:fld>
             <a:endParaRPr lang="en-US" dirty="0"/>
           </a:p>
@@ -10012,7 +10012,7 @@
               <a:pPr>
                 <a:defRPr/>
               </a:pPr>
-              <a:t>9/20/2023</a:t>
+              <a:t>2/11/2025</a:t>
             </a:fld>
             <a:endParaRPr lang="en-US" dirty="0"/>
           </a:p>
@@ -10722,7 +10722,7 @@
               <a:pPr>
                 <a:defRPr/>
               </a:pPr>
-              <a:t>9/20/2023</a:t>
+              <a:t>2/11/2025</a:t>
             </a:fld>
             <a:endParaRPr lang="en-US" dirty="0">
               <a:solidFill>
@@ -15379,7 +15379,7 @@
         <p:spPr>
           <a:xfrm>
             <a:off x="3810000" y="621916"/>
-            <a:ext cx="5273842" cy="5632311"/>
+            <a:ext cx="5381624" cy="5632311"/>
           </a:xfrm>
           <a:prstGeom prst="rect">
             <a:avLst/>
@@ -15691,7 +15691,7 @@
                 <a:latin typeface="Arial" charset="0"/>
                 <a:ea typeface="ＭＳ Ｐゴシック" charset="-128"/>
               </a:rPr>
-              <a:t>Step 2: Observe the Article on 2018’s Safest and Most Dangerous States</a:t>
+              <a:t>Step 2: Observe the Article on 2019’s Safest and Most Dangerous States</a:t>
             </a:r>
           </a:p>
           <a:p>
@@ -16184,7 +16184,7 @@
         <p:spPr>
           <a:xfrm>
             <a:off x="3810000" y="621916"/>
-            <a:ext cx="5273842" cy="5262979"/>
+            <a:ext cx="5273842" cy="5632311"/>
           </a:xfrm>
           <a:prstGeom prst="rect">
             <a:avLst/>
@@ -16572,6 +16572,38 @@
               <a:tabLst/>
               <a:defRPr/>
             </a:pPr>
+            <a:endParaRPr kumimoji="0" lang="en-US" sz="2400" b="0" i="0" u="none" strike="noStrike" kern="1200" cap="none" spc="0" normalizeH="0" baseline="0" noProof="0" dirty="0">
+              <a:ln>
+                <a:noFill/>
+              </a:ln>
+              <a:solidFill>
+                <a:srgbClr val="404040"/>
+              </a:solidFill>
+              <a:effectLst/>
+              <a:uLnTx/>
+              <a:uFillTx/>
+              <a:latin typeface="Arial" charset="0"/>
+              <a:ea typeface="ＭＳ Ｐゴシック" charset="-128"/>
+            </a:endParaRPr>
+          </a:p>
+          <a:p>
+            <a:pPr marL="800100" marR="0" lvl="1" indent="-342900" algn="l" defTabSz="457200" rtl="0" eaLnBrk="1" fontAlgn="base" latinLnBrk="0" hangingPunct="1">
+              <a:lnSpc>
+                <a:spcPct val="100000"/>
+              </a:lnSpc>
+              <a:spcBef>
+                <a:spcPct val="0"/>
+              </a:spcBef>
+              <a:spcAft>
+                <a:spcPct val="0"/>
+              </a:spcAft>
+              <a:buClrTx/>
+              <a:buSzTx/>
+              <a:buFont typeface="Arial" panose="020B0604020202020204" pitchFamily="34" charset="0"/>
+              <a:buChar char="•"/>
+              <a:tabLst/>
+              <a:defRPr/>
+            </a:pPr>
             <a:r>
               <a:rPr kumimoji="0" lang="en-US" sz="2400" b="0" i="0" u="none" strike="noStrike" kern="1200" cap="none" spc="0" normalizeH="0" baseline="0" noProof="0" dirty="0">
                 <a:ln>
@@ -16593,10 +16625,10 @@
       </p:sp>
       <p:pic>
         <p:nvPicPr>
-          <p:cNvPr id="3" name="Picture 2">
+          <p:cNvPr id="5" name="Picture 4">
             <a:extLst>
               <a:ext uri="{FF2B5EF4-FFF2-40B4-BE49-F238E27FC236}">
-                <a16:creationId xmlns:a16="http://schemas.microsoft.com/office/drawing/2014/main" id="{5BD2A8A8-0B17-4AB5-9FFF-5FF1BF3E97B3}"/>
+                <a16:creationId xmlns:a16="http://schemas.microsoft.com/office/drawing/2014/main" id="{3AF30ABC-020F-FDD1-663F-4D0DE6CE6DE8}"/>
               </a:ext>
             </a:extLst>
           </p:cNvPr>
@@ -16613,39 +16645,25 @@
         </p:blipFill>
         <p:spPr>
           <a:xfrm>
-            <a:off x="4721598" y="1905000"/>
-            <a:ext cx="1657350" cy="2543175"/>
+            <a:off x="4719263" y="1905000"/>
+            <a:ext cx="1751744" cy="2827815"/>
           </a:xfrm>
           <a:prstGeom prst="rect">
             <a:avLst/>
           </a:prstGeom>
-          <a:ln>
+          <a:ln w="28575">
             <a:solidFill>
               <a:srgbClr val="404040"/>
             </a:solidFill>
           </a:ln>
         </p:spPr>
-        <p:style>
-          <a:lnRef idx="2">
-            <a:schemeClr val="dk1"/>
-          </a:lnRef>
-          <a:fillRef idx="1">
-            <a:schemeClr val="lt1"/>
-          </a:fillRef>
-          <a:effectRef idx="0">
-            <a:schemeClr val="dk1"/>
-          </a:effectRef>
-          <a:fontRef idx="minor">
-            <a:schemeClr val="dk1"/>
-          </a:fontRef>
-        </p:style>
       </p:pic>
       <p:pic>
         <p:nvPicPr>
-          <p:cNvPr id="7" name="Picture 6">
+          <p:cNvPr id="10" name="Picture 9">
             <a:extLst>
               <a:ext uri="{FF2B5EF4-FFF2-40B4-BE49-F238E27FC236}">
-                <a16:creationId xmlns:a16="http://schemas.microsoft.com/office/drawing/2014/main" id="{7414AB0B-6156-4095-962D-7DCF640711A0}"/>
+                <a16:creationId xmlns:a16="http://schemas.microsoft.com/office/drawing/2014/main" id="{8C61899F-AE61-59C2-1C60-19B70E6435B5}"/>
               </a:ext>
             </a:extLst>
           </p:cNvPr>
@@ -16662,32 +16680,18 @@
         </p:blipFill>
         <p:spPr>
           <a:xfrm>
-            <a:off x="6701028" y="1904999"/>
-            <a:ext cx="1571625" cy="2543175"/>
+            <a:off x="6737290" y="1904999"/>
+            <a:ext cx="1751744" cy="2827815"/>
           </a:xfrm>
           <a:prstGeom prst="rect">
             <a:avLst/>
           </a:prstGeom>
-          <a:ln>
+          <a:ln w="28575">
             <a:solidFill>
               <a:srgbClr val="404040"/>
             </a:solidFill>
           </a:ln>
         </p:spPr>
-        <p:style>
-          <a:lnRef idx="2">
-            <a:schemeClr val="dk1"/>
-          </a:lnRef>
-          <a:fillRef idx="1">
-            <a:schemeClr val="lt1"/>
-          </a:fillRef>
-          <a:effectRef idx="0">
-            <a:schemeClr val="dk1"/>
-          </a:effectRef>
-          <a:fontRef idx="minor">
-            <a:schemeClr val="dk1"/>
-          </a:fontRef>
-        </p:style>
       </p:pic>
     </p:spTree>
     <p:custDataLst>
@@ -17364,10 +17368,10 @@
       </p:sp>
       <p:pic>
         <p:nvPicPr>
-          <p:cNvPr id="4" name="Picture 3">
+          <p:cNvPr id="5" name="Picture 4">
             <a:extLst>
               <a:ext uri="{FF2B5EF4-FFF2-40B4-BE49-F238E27FC236}">
-                <a16:creationId xmlns:a16="http://schemas.microsoft.com/office/drawing/2014/main" id="{CAE97E30-086D-46F9-8209-1F346D25C360}"/>
+                <a16:creationId xmlns:a16="http://schemas.microsoft.com/office/drawing/2014/main" id="{2DAFF964-2FC7-4349-87EE-D022C4C49B96}"/>
               </a:ext>
             </a:extLst>
           </p:cNvPr>
@@ -17384,56 +17388,7 @@
         </p:blipFill>
         <p:spPr>
           <a:xfrm>
-            <a:off x="3894221" y="1792705"/>
-            <a:ext cx="5105400" cy="250499"/>
-          </a:xfrm>
-          <a:prstGeom prst="rect">
-            <a:avLst/>
-          </a:prstGeom>
-          <a:ln>
-            <a:solidFill>
-              <a:srgbClr val="404040"/>
-            </a:solidFill>
-          </a:ln>
-        </p:spPr>
-        <p:style>
-          <a:lnRef idx="2">
-            <a:schemeClr val="dk1"/>
-          </a:lnRef>
-          <a:fillRef idx="1">
-            <a:schemeClr val="lt1"/>
-          </a:fillRef>
-          <a:effectRef idx="0">
-            <a:schemeClr val="dk1"/>
-          </a:effectRef>
-          <a:fontRef idx="minor">
-            <a:schemeClr val="dk1"/>
-          </a:fontRef>
-        </p:style>
-      </p:pic>
-      <p:pic>
-        <p:nvPicPr>
-          <p:cNvPr id="5" name="Picture 4">
-            <a:extLst>
-              <a:ext uri="{FF2B5EF4-FFF2-40B4-BE49-F238E27FC236}">
-                <a16:creationId xmlns:a16="http://schemas.microsoft.com/office/drawing/2014/main" id="{2DAFF964-2FC7-4349-87EE-D022C4C49B96}"/>
-              </a:ext>
-            </a:extLst>
-          </p:cNvPr>
-          <p:cNvPicPr>
-            <a:picLocks noChangeAspect="1"/>
-          </p:cNvPicPr>
-          <p:nvPr/>
-        </p:nvPicPr>
-        <p:blipFill>
-          <a:blip r:embed="rId5"/>
-          <a:stretch>
-            <a:fillRect/>
-          </a:stretch>
-        </p:blipFill>
-        <p:spPr>
-          <a:xfrm>
-            <a:off x="3874168" y="3235067"/>
+            <a:off x="3874168" y="3318631"/>
             <a:ext cx="5105400" cy="380865"/>
           </a:xfrm>
           <a:prstGeom prst="rect">
@@ -17519,7 +17474,7 @@
           <p:nvPr/>
         </p:nvPicPr>
         <p:blipFill>
-          <a:blip r:embed="rId6"/>
+          <a:blip r:embed="rId5"/>
           <a:stretch>
             <a:fillRect/>
           </a:stretch>
@@ -17634,6 +17589,41 @@
           </a:p>
         </p:txBody>
       </p:sp>
+      <p:pic>
+        <p:nvPicPr>
+          <p:cNvPr id="16" name="Picture 15">
+            <a:extLst>
+              <a:ext uri="{FF2B5EF4-FFF2-40B4-BE49-F238E27FC236}">
+                <a16:creationId xmlns:a16="http://schemas.microsoft.com/office/drawing/2014/main" id="{1ED101B8-7F54-15F1-4CAE-C915BA635386}"/>
+              </a:ext>
+            </a:extLst>
+          </p:cNvPr>
+          <p:cNvPicPr>
+            <a:picLocks noChangeAspect="1"/>
+          </p:cNvPicPr>
+          <p:nvPr/>
+        </p:nvPicPr>
+        <p:blipFill>
+          <a:blip r:embed="rId6"/>
+          <a:stretch>
+            <a:fillRect/>
+          </a:stretch>
+        </p:blipFill>
+        <p:spPr>
+          <a:xfrm>
+            <a:off x="3884442" y="1917810"/>
+            <a:ext cx="4917484" cy="363740"/>
+          </a:xfrm>
+          <a:prstGeom prst="rect">
+            <a:avLst/>
+          </a:prstGeom>
+          <a:ln w="28575">
+            <a:solidFill>
+              <a:srgbClr val="404040"/>
+            </a:solidFill>
+          </a:ln>
+        </p:spPr>
+      </p:pic>
     </p:spTree>
     <p:custDataLst>
       <p:tags r:id="rId1"/>
@@ -18010,10 +18000,10 @@
       </p:grpSpPr>
       <p:pic>
         <p:nvPicPr>
-          <p:cNvPr id="16" name="Picture 15">
+          <p:cNvPr id="7" name="Picture 6">
             <a:extLst>
               <a:ext uri="{FF2B5EF4-FFF2-40B4-BE49-F238E27FC236}">
-                <a16:creationId xmlns:a16="http://schemas.microsoft.com/office/drawing/2014/main" id="{89E62DC3-5571-4046-830D-BE4BD0AF325F}"/>
+                <a16:creationId xmlns:a16="http://schemas.microsoft.com/office/drawing/2014/main" id="{282A84F5-9548-BA44-144F-B9B28FD83388}"/>
               </a:ext>
             </a:extLst>
           </p:cNvPr>
@@ -18030,32 +18020,618 @@
         </p:blipFill>
         <p:spPr>
           <a:xfrm>
-            <a:off x="6857999" y="3657600"/>
-            <a:ext cx="2166679" cy="3138219"/>
+            <a:off x="7054805" y="3888185"/>
+            <a:ext cx="2012770" cy="2347899"/>
           </a:xfrm>
           <a:prstGeom prst="rect">
             <a:avLst/>
           </a:prstGeom>
-          <a:ln>
+          <a:ln w="28575">
             <a:solidFill>
               <a:srgbClr val="404040"/>
             </a:solidFill>
           </a:ln>
         </p:spPr>
-        <p:style>
-          <a:lnRef idx="2">
-            <a:schemeClr val="dk1"/>
-          </a:lnRef>
-          <a:fillRef idx="1">
-            <a:schemeClr val="lt1"/>
-          </a:fillRef>
-          <a:effectRef idx="0">
-            <a:schemeClr val="dk1"/>
-          </a:effectRef>
-          <a:fontRef idx="minor">
-            <a:schemeClr val="dk1"/>
-          </a:fontRef>
-        </p:style>
+      </p:pic>
+      <p:sp>
+        <p:nvSpPr>
+          <p:cNvPr id="6" name="TextBox 5">
+            <a:extLst>
+              <a:ext uri="{FF2B5EF4-FFF2-40B4-BE49-F238E27FC236}">
+                <a16:creationId xmlns:a16="http://schemas.microsoft.com/office/drawing/2014/main" id="{E58EF064-51FF-48A9-8810-E84BE6F6F09D}"/>
+              </a:ext>
+            </a:extLst>
+          </p:cNvPr>
+          <p:cNvSpPr txBox="1"/>
+          <p:nvPr/>
+        </p:nvSpPr>
+        <p:spPr>
+          <a:xfrm>
+            <a:off x="3810000" y="591094"/>
+            <a:ext cx="5273842" cy="6001643"/>
+          </a:xfrm>
+          <a:prstGeom prst="rect">
+            <a:avLst/>
+          </a:prstGeom>
+          <a:noFill/>
+        </p:spPr>
+        <p:txBody>
+          <a:bodyPr wrap="square" rtlCol="0">
+            <a:spAutoFit/>
+          </a:bodyPr>
+          <a:lstStyle/>
+          <a:p>
+            <a:pPr marL="342900" marR="0" lvl="0" indent="-342900" algn="l" defTabSz="457200" rtl="0" eaLnBrk="1" fontAlgn="base" latinLnBrk="0" hangingPunct="1">
+              <a:lnSpc>
+                <a:spcPct val="100000"/>
+              </a:lnSpc>
+              <a:spcBef>
+                <a:spcPct val="0"/>
+              </a:spcBef>
+              <a:spcAft>
+                <a:spcPct val="0"/>
+              </a:spcAft>
+              <a:buClrTx/>
+              <a:buSzTx/>
+              <a:buFont typeface="Arial" panose="020B0604020202020204" pitchFamily="34" charset="0"/>
+              <a:buChar char="•"/>
+              <a:tabLst/>
+              <a:defRPr/>
+            </a:pPr>
+            <a:r>
+              <a:rPr kumimoji="0" lang="en-US" sz="2400" b="0" i="0" u="none" strike="noStrike" kern="1200" cap="none" spc="0" normalizeH="0" baseline="0" noProof="0" dirty="0">
+                <a:ln>
+                  <a:noFill/>
+                </a:ln>
+                <a:solidFill>
+                  <a:srgbClr val="404040"/>
+                </a:solidFill>
+                <a:effectLst/>
+                <a:uLnTx/>
+                <a:uFillTx/>
+                <a:latin typeface="Arial" charset="0"/>
+                <a:ea typeface="ＭＳ Ｐゴシック" charset="-128"/>
+              </a:rPr>
+              <a:t>Step 4: Continued</a:t>
+            </a:r>
+          </a:p>
+          <a:p>
+            <a:pPr marL="342900" marR="0" lvl="0" indent="-342900" algn="l" defTabSz="457200" rtl="0" eaLnBrk="1" fontAlgn="base" latinLnBrk="0" hangingPunct="1">
+              <a:lnSpc>
+                <a:spcPct val="100000"/>
+              </a:lnSpc>
+              <a:spcBef>
+                <a:spcPct val="0"/>
+              </a:spcBef>
+              <a:spcAft>
+                <a:spcPct val="0"/>
+              </a:spcAft>
+              <a:buClrTx/>
+              <a:buSzTx/>
+              <a:buFont typeface="Arial" panose="020B0604020202020204" pitchFamily="34" charset="0"/>
+              <a:buChar char="•"/>
+              <a:tabLst/>
+              <a:defRPr/>
+            </a:pPr>
+            <a:endParaRPr kumimoji="0" lang="en-US" sz="2400" b="0" i="0" u="none" strike="noStrike" kern="1200" cap="none" spc="0" normalizeH="0" baseline="0" noProof="0" dirty="0">
+              <a:ln>
+                <a:noFill/>
+              </a:ln>
+              <a:solidFill>
+                <a:srgbClr val="404040"/>
+              </a:solidFill>
+              <a:effectLst/>
+              <a:uLnTx/>
+              <a:uFillTx/>
+              <a:latin typeface="Arial" charset="0"/>
+              <a:ea typeface="ＭＳ Ｐゴシック" charset="-128"/>
+            </a:endParaRPr>
+          </a:p>
+          <a:p>
+            <a:pPr marL="800100" marR="0" lvl="1" indent="-342900" algn="l" defTabSz="457200" rtl="0" eaLnBrk="1" fontAlgn="base" latinLnBrk="0" hangingPunct="1">
+              <a:lnSpc>
+                <a:spcPct val="100000"/>
+              </a:lnSpc>
+              <a:spcBef>
+                <a:spcPct val="0"/>
+              </a:spcBef>
+              <a:spcAft>
+                <a:spcPct val="0"/>
+              </a:spcAft>
+              <a:buClrTx/>
+              <a:buSzTx/>
+              <a:buFont typeface="Arial" panose="020B0604020202020204" pitchFamily="34" charset="0"/>
+              <a:buChar char="•"/>
+              <a:tabLst/>
+              <a:defRPr/>
+            </a:pPr>
+            <a:r>
+              <a:rPr kumimoji="0" lang="en-US" sz="2400" b="0" i="0" u="none" strike="noStrike" kern="1200" cap="none" spc="0" normalizeH="0" baseline="0" noProof="0" dirty="0">
+                <a:ln>
+                  <a:noFill/>
+                </a:ln>
+                <a:solidFill>
+                  <a:srgbClr val="404040"/>
+                </a:solidFill>
+                <a:effectLst/>
+                <a:uLnTx/>
+                <a:uFillTx/>
+                <a:latin typeface="Arial" charset="0"/>
+                <a:ea typeface="ＭＳ Ｐゴシック" charset="-128"/>
+              </a:rPr>
+              <a:t>Find Content You Want</a:t>
+            </a:r>
+          </a:p>
+          <a:p>
+            <a:pPr marL="800100" marR="0" lvl="1" indent="-342900" algn="l" defTabSz="457200" rtl="0" eaLnBrk="1" fontAlgn="base" latinLnBrk="0" hangingPunct="1">
+              <a:lnSpc>
+                <a:spcPct val="100000"/>
+              </a:lnSpc>
+              <a:spcBef>
+                <a:spcPct val="0"/>
+              </a:spcBef>
+              <a:spcAft>
+                <a:spcPct val="0"/>
+              </a:spcAft>
+              <a:buClrTx/>
+              <a:buSzTx/>
+              <a:buFont typeface="Arial" panose="020B0604020202020204" pitchFamily="34" charset="0"/>
+              <a:buChar char="•"/>
+              <a:tabLst/>
+              <a:defRPr/>
+            </a:pPr>
+            <a:endParaRPr kumimoji="0" lang="en-US" sz="2400" b="0" i="0" u="none" strike="noStrike" kern="1200" cap="none" spc="0" normalizeH="0" baseline="0" noProof="0" dirty="0">
+              <a:ln>
+                <a:noFill/>
+              </a:ln>
+              <a:solidFill>
+                <a:srgbClr val="404040"/>
+              </a:solidFill>
+              <a:effectLst/>
+              <a:uLnTx/>
+              <a:uFillTx/>
+              <a:latin typeface="Arial" charset="0"/>
+              <a:ea typeface="ＭＳ Ｐゴシック" charset="-128"/>
+            </a:endParaRPr>
+          </a:p>
+          <a:p>
+            <a:pPr marL="800100" marR="0" lvl="1" indent="-342900" algn="l" defTabSz="457200" rtl="0" eaLnBrk="1" fontAlgn="base" latinLnBrk="0" hangingPunct="1">
+              <a:lnSpc>
+                <a:spcPct val="100000"/>
+              </a:lnSpc>
+              <a:spcBef>
+                <a:spcPct val="0"/>
+              </a:spcBef>
+              <a:spcAft>
+                <a:spcPct val="0"/>
+              </a:spcAft>
+              <a:buClrTx/>
+              <a:buSzTx/>
+              <a:buFont typeface="Arial" panose="020B0604020202020204" pitchFamily="34" charset="0"/>
+              <a:buChar char="•"/>
+              <a:tabLst/>
+              <a:defRPr/>
+            </a:pPr>
+            <a:endParaRPr kumimoji="0" lang="en-US" sz="2400" b="0" i="0" u="none" strike="noStrike" kern="1200" cap="none" spc="0" normalizeH="0" baseline="0" noProof="0" dirty="0">
+              <a:ln>
+                <a:noFill/>
+              </a:ln>
+              <a:solidFill>
+                <a:srgbClr val="404040"/>
+              </a:solidFill>
+              <a:effectLst/>
+              <a:uLnTx/>
+              <a:uFillTx/>
+              <a:latin typeface="Arial" charset="0"/>
+              <a:ea typeface="ＭＳ Ｐゴシック" charset="-128"/>
+            </a:endParaRPr>
+          </a:p>
+          <a:p>
+            <a:pPr marL="800100" marR="0" lvl="1" indent="-342900" algn="l" defTabSz="457200" rtl="0" eaLnBrk="1" fontAlgn="base" latinLnBrk="0" hangingPunct="1">
+              <a:lnSpc>
+                <a:spcPct val="100000"/>
+              </a:lnSpc>
+              <a:spcBef>
+                <a:spcPct val="0"/>
+              </a:spcBef>
+              <a:spcAft>
+                <a:spcPct val="0"/>
+              </a:spcAft>
+              <a:buClrTx/>
+              <a:buSzTx/>
+              <a:buFont typeface="Arial" panose="020B0604020202020204" pitchFamily="34" charset="0"/>
+              <a:buChar char="•"/>
+              <a:tabLst/>
+              <a:defRPr/>
+            </a:pPr>
+            <a:endParaRPr kumimoji="0" lang="en-US" sz="2400" b="0" i="0" u="none" strike="noStrike" kern="1200" cap="none" spc="0" normalizeH="0" baseline="0" noProof="0" dirty="0">
+              <a:ln>
+                <a:noFill/>
+              </a:ln>
+              <a:solidFill>
+                <a:srgbClr val="404040"/>
+              </a:solidFill>
+              <a:effectLst/>
+              <a:uLnTx/>
+              <a:uFillTx/>
+              <a:latin typeface="Arial" charset="0"/>
+              <a:ea typeface="ＭＳ Ｐゴシック" charset="-128"/>
+            </a:endParaRPr>
+          </a:p>
+          <a:p>
+            <a:pPr marL="800100" marR="0" lvl="1" indent="-342900" algn="l" defTabSz="457200" rtl="0" eaLnBrk="1" fontAlgn="base" latinLnBrk="0" hangingPunct="1">
+              <a:lnSpc>
+                <a:spcPct val="100000"/>
+              </a:lnSpc>
+              <a:spcBef>
+                <a:spcPct val="0"/>
+              </a:spcBef>
+              <a:spcAft>
+                <a:spcPct val="0"/>
+              </a:spcAft>
+              <a:buClrTx/>
+              <a:buSzTx/>
+              <a:buFont typeface="Arial" panose="020B0604020202020204" pitchFamily="34" charset="0"/>
+              <a:buChar char="•"/>
+              <a:tabLst/>
+              <a:defRPr/>
+            </a:pPr>
+            <a:endParaRPr kumimoji="0" lang="en-US" sz="2400" b="0" i="0" u="none" strike="noStrike" kern="1200" cap="none" spc="0" normalizeH="0" baseline="0" noProof="0" dirty="0">
+              <a:ln>
+                <a:noFill/>
+              </a:ln>
+              <a:solidFill>
+                <a:srgbClr val="404040"/>
+              </a:solidFill>
+              <a:effectLst/>
+              <a:uLnTx/>
+              <a:uFillTx/>
+              <a:latin typeface="Arial" charset="0"/>
+              <a:ea typeface="ＭＳ Ｐゴシック" charset="-128"/>
+            </a:endParaRPr>
+          </a:p>
+          <a:p>
+            <a:pPr marL="800100" marR="0" lvl="1" indent="-342900" algn="l" defTabSz="457200" rtl="0" eaLnBrk="1" fontAlgn="base" latinLnBrk="0" hangingPunct="1">
+              <a:lnSpc>
+                <a:spcPct val="100000"/>
+              </a:lnSpc>
+              <a:spcBef>
+                <a:spcPct val="0"/>
+              </a:spcBef>
+              <a:spcAft>
+                <a:spcPct val="0"/>
+              </a:spcAft>
+              <a:buClrTx/>
+              <a:buSzTx/>
+              <a:buFont typeface="Arial" panose="020B0604020202020204" pitchFamily="34" charset="0"/>
+              <a:buChar char="•"/>
+              <a:tabLst/>
+              <a:defRPr/>
+            </a:pPr>
+            <a:endParaRPr kumimoji="0" lang="en-US" sz="2400" b="0" i="0" u="none" strike="noStrike" kern="1200" cap="none" spc="0" normalizeH="0" baseline="0" noProof="0" dirty="0">
+              <a:ln>
+                <a:noFill/>
+              </a:ln>
+              <a:solidFill>
+                <a:srgbClr val="404040"/>
+              </a:solidFill>
+              <a:effectLst/>
+              <a:uLnTx/>
+              <a:uFillTx/>
+              <a:latin typeface="Arial" charset="0"/>
+              <a:ea typeface="ＭＳ Ｐゴシック" charset="-128"/>
+            </a:endParaRPr>
+          </a:p>
+          <a:p>
+            <a:pPr marL="800100" marR="0" lvl="1" indent="-342900" algn="l" defTabSz="457200" rtl="0" eaLnBrk="1" fontAlgn="base" latinLnBrk="0" hangingPunct="1">
+              <a:lnSpc>
+                <a:spcPct val="100000"/>
+              </a:lnSpc>
+              <a:spcBef>
+                <a:spcPct val="0"/>
+              </a:spcBef>
+              <a:spcAft>
+                <a:spcPct val="0"/>
+              </a:spcAft>
+              <a:buClrTx/>
+              <a:buSzTx/>
+              <a:buFont typeface="Arial" panose="020B0604020202020204" pitchFamily="34" charset="0"/>
+              <a:buChar char="•"/>
+              <a:tabLst/>
+              <a:defRPr/>
+            </a:pPr>
+            <a:r>
+              <a:rPr kumimoji="0" lang="en-US" sz="2400" b="0" i="0" u="none" strike="noStrike" kern="1200" cap="none" spc="0" normalizeH="0" baseline="0" noProof="0" dirty="0">
+                <a:ln>
+                  <a:noFill/>
+                </a:ln>
+                <a:solidFill>
+                  <a:srgbClr val="404040"/>
+                </a:solidFill>
+                <a:effectLst/>
+                <a:uLnTx/>
+                <a:uFillTx/>
+                <a:latin typeface="Arial" charset="0"/>
+                <a:ea typeface="ＭＳ Ｐゴシック" charset="-128"/>
+              </a:rPr>
+              <a:t>Point and Click </a:t>
+            </a:r>
+          </a:p>
+          <a:p>
+            <a:pPr marL="457200" marR="0" lvl="1" indent="0" algn="l" defTabSz="457200" rtl="0" eaLnBrk="1" fontAlgn="base" latinLnBrk="0" hangingPunct="1">
+              <a:lnSpc>
+                <a:spcPct val="100000"/>
+              </a:lnSpc>
+              <a:spcBef>
+                <a:spcPct val="0"/>
+              </a:spcBef>
+              <a:spcAft>
+                <a:spcPct val="0"/>
+              </a:spcAft>
+              <a:buClrTx/>
+              <a:buSzTx/>
+              <a:buFontTx/>
+              <a:buNone/>
+              <a:tabLst/>
+              <a:defRPr/>
+            </a:pPr>
+            <a:r>
+              <a:rPr kumimoji="0" lang="en-US" sz="2400" b="0" i="0" u="none" strike="noStrike" kern="1200" cap="none" spc="0" normalizeH="0" baseline="0" noProof="0" dirty="0">
+                <a:ln>
+                  <a:noFill/>
+                </a:ln>
+                <a:solidFill>
+                  <a:srgbClr val="404040"/>
+                </a:solidFill>
+                <a:effectLst/>
+                <a:uLnTx/>
+                <a:uFillTx/>
+                <a:latin typeface="Arial" charset="0"/>
+                <a:ea typeface="ＭＳ Ｐゴシック" charset="-128"/>
+              </a:rPr>
+              <a:t>    to Select Info</a:t>
+            </a:r>
+          </a:p>
+          <a:p>
+            <a:pPr marL="800100" marR="0" lvl="1" indent="-342900" algn="l" defTabSz="457200" rtl="0" eaLnBrk="1" fontAlgn="base" latinLnBrk="0" hangingPunct="1">
+              <a:lnSpc>
+                <a:spcPct val="100000"/>
+              </a:lnSpc>
+              <a:spcBef>
+                <a:spcPct val="0"/>
+              </a:spcBef>
+              <a:spcAft>
+                <a:spcPct val="0"/>
+              </a:spcAft>
+              <a:buClrTx/>
+              <a:buSzTx/>
+              <a:buFont typeface="Arial" panose="020B0604020202020204" pitchFamily="34" charset="0"/>
+              <a:buChar char="•"/>
+              <a:tabLst/>
+              <a:defRPr/>
+            </a:pPr>
+            <a:endParaRPr kumimoji="0" lang="en-US" sz="2400" b="0" i="0" u="none" strike="noStrike" kern="1200" cap="none" spc="0" normalizeH="0" baseline="0" noProof="0" dirty="0">
+              <a:ln>
+                <a:noFill/>
+              </a:ln>
+              <a:solidFill>
+                <a:srgbClr val="404040"/>
+              </a:solidFill>
+              <a:effectLst/>
+              <a:uLnTx/>
+              <a:uFillTx/>
+              <a:latin typeface="Arial" charset="0"/>
+              <a:ea typeface="ＭＳ Ｐゴシック" charset="-128"/>
+            </a:endParaRPr>
+          </a:p>
+          <a:p>
+            <a:pPr marL="800100" marR="0" lvl="1" indent="-342900" algn="l" defTabSz="457200" rtl="0" eaLnBrk="1" fontAlgn="base" latinLnBrk="0" hangingPunct="1">
+              <a:lnSpc>
+                <a:spcPct val="100000"/>
+              </a:lnSpc>
+              <a:spcBef>
+                <a:spcPct val="0"/>
+              </a:spcBef>
+              <a:spcAft>
+                <a:spcPct val="0"/>
+              </a:spcAft>
+              <a:buClrTx/>
+              <a:buSzTx/>
+              <a:buFont typeface="Arial" panose="020B0604020202020204" pitchFamily="34" charset="0"/>
+              <a:buChar char="•"/>
+              <a:tabLst/>
+              <a:defRPr/>
+            </a:pPr>
+            <a:r>
+              <a:rPr kumimoji="0" lang="en-US" sz="2400" b="0" i="0" u="none" strike="noStrike" kern="1200" cap="none" spc="0" normalizeH="0" baseline="0" noProof="0" dirty="0">
+                <a:ln>
+                  <a:noFill/>
+                </a:ln>
+                <a:solidFill>
+                  <a:srgbClr val="404040"/>
+                </a:solidFill>
+                <a:effectLst/>
+                <a:uLnTx/>
+                <a:uFillTx/>
+                <a:latin typeface="Arial" charset="0"/>
+                <a:ea typeface="ＭＳ Ｐゴシック" charset="-128"/>
+              </a:rPr>
+              <a:t>Info We Want is</a:t>
+            </a:r>
+          </a:p>
+          <a:p>
+            <a:pPr marL="457200" marR="0" lvl="1" indent="0" algn="l" defTabSz="457200" rtl="0" eaLnBrk="1" fontAlgn="base" latinLnBrk="0" hangingPunct="1">
+              <a:lnSpc>
+                <a:spcPct val="100000"/>
+              </a:lnSpc>
+              <a:spcBef>
+                <a:spcPct val="0"/>
+              </a:spcBef>
+              <a:spcAft>
+                <a:spcPct val="0"/>
+              </a:spcAft>
+              <a:buClrTx/>
+              <a:buSzTx/>
+              <a:buFontTx/>
+              <a:buNone/>
+              <a:tabLst/>
+              <a:defRPr/>
+            </a:pPr>
+            <a:r>
+              <a:rPr kumimoji="0" lang="en-US" sz="2400" b="0" i="0" u="none" strike="noStrike" kern="1200" cap="none" spc="0" normalizeH="0" baseline="0" noProof="0" dirty="0">
+                <a:ln>
+                  <a:noFill/>
+                </a:ln>
+                <a:solidFill>
+                  <a:srgbClr val="404040"/>
+                </a:solidFill>
+                <a:effectLst/>
+                <a:uLnTx/>
+                <a:uFillTx/>
+                <a:latin typeface="Arial" charset="0"/>
+                <a:ea typeface="ＭＳ Ｐゴシック" charset="-128"/>
+              </a:rPr>
+              <a:t>    Highlighted</a:t>
+            </a:r>
+          </a:p>
+          <a:p>
+            <a:pPr marL="800100" marR="0" lvl="1" indent="-342900" algn="l" defTabSz="457200" rtl="0" eaLnBrk="1" fontAlgn="base" latinLnBrk="0" hangingPunct="1">
+              <a:lnSpc>
+                <a:spcPct val="100000"/>
+              </a:lnSpc>
+              <a:spcBef>
+                <a:spcPct val="0"/>
+              </a:spcBef>
+              <a:spcAft>
+                <a:spcPct val="0"/>
+              </a:spcAft>
+              <a:buClrTx/>
+              <a:buSzTx/>
+              <a:buFont typeface="Arial" panose="020B0604020202020204" pitchFamily="34" charset="0"/>
+              <a:buChar char="•"/>
+              <a:tabLst/>
+              <a:defRPr/>
+            </a:pPr>
+            <a:endParaRPr kumimoji="0" lang="en-US" sz="2400" b="0" i="0" u="none" strike="noStrike" kern="1200" cap="none" spc="0" normalizeH="0" baseline="0" noProof="0" dirty="0">
+              <a:ln>
+                <a:noFill/>
+              </a:ln>
+              <a:solidFill>
+                <a:srgbClr val="404040"/>
+              </a:solidFill>
+              <a:effectLst/>
+              <a:uLnTx/>
+              <a:uFillTx/>
+              <a:latin typeface="Arial" charset="0"/>
+              <a:ea typeface="ＭＳ Ｐゴシック" charset="-128"/>
+            </a:endParaRPr>
+          </a:p>
+          <a:p>
+            <a:pPr marL="800100" marR="0" lvl="1" indent="-342900" algn="l" defTabSz="457200" rtl="0" eaLnBrk="1" fontAlgn="base" latinLnBrk="0" hangingPunct="1">
+              <a:lnSpc>
+                <a:spcPct val="100000"/>
+              </a:lnSpc>
+              <a:spcBef>
+                <a:spcPct val="0"/>
+              </a:spcBef>
+              <a:spcAft>
+                <a:spcPct val="0"/>
+              </a:spcAft>
+              <a:buClrTx/>
+              <a:buSzTx/>
+              <a:buFont typeface="Arial" panose="020B0604020202020204" pitchFamily="34" charset="0"/>
+              <a:buChar char="•"/>
+              <a:tabLst/>
+              <a:defRPr/>
+            </a:pPr>
+            <a:r>
+              <a:rPr kumimoji="0" lang="en-US" sz="2400" b="0" i="0" u="none" strike="noStrike" kern="1200" cap="none" spc="0" normalizeH="0" baseline="0" noProof="0" dirty="0">
+                <a:ln>
+                  <a:noFill/>
+                </a:ln>
+                <a:solidFill>
+                  <a:srgbClr val="404040"/>
+                </a:solidFill>
+                <a:effectLst/>
+                <a:uLnTx/>
+                <a:uFillTx/>
+                <a:latin typeface="Arial" charset="0"/>
+                <a:ea typeface="ＭＳ Ｐゴシック" charset="-128"/>
+              </a:rPr>
+              <a:t>Info We Don’t </a:t>
+            </a:r>
+          </a:p>
+          <a:p>
+            <a:pPr marL="457200" marR="0" lvl="1" indent="0" algn="l" defTabSz="457200" rtl="0" eaLnBrk="1" fontAlgn="base" latinLnBrk="0" hangingPunct="1">
+              <a:lnSpc>
+                <a:spcPct val="100000"/>
+              </a:lnSpc>
+              <a:spcBef>
+                <a:spcPct val="0"/>
+              </a:spcBef>
+              <a:spcAft>
+                <a:spcPct val="0"/>
+              </a:spcAft>
+              <a:buClrTx/>
+              <a:buSzTx/>
+              <a:buFontTx/>
+              <a:buNone/>
+              <a:tabLst/>
+              <a:defRPr/>
+            </a:pPr>
+            <a:r>
+              <a:rPr kumimoji="0" lang="en-US" sz="2400" b="0" i="0" u="none" strike="noStrike" kern="1200" cap="none" spc="0" normalizeH="0" baseline="0" noProof="0" dirty="0">
+                <a:ln>
+                  <a:noFill/>
+                </a:ln>
+                <a:solidFill>
+                  <a:srgbClr val="404040"/>
+                </a:solidFill>
+                <a:effectLst/>
+                <a:uLnTx/>
+                <a:uFillTx/>
+                <a:latin typeface="Arial" charset="0"/>
+                <a:ea typeface="ＭＳ Ｐゴシック" charset="-128"/>
+              </a:rPr>
+              <a:t>    Want, As Well</a:t>
+            </a:r>
+          </a:p>
+        </p:txBody>
+      </p:sp>
+      <p:pic>
+        <p:nvPicPr>
+          <p:cNvPr id="4" name="Picture 3">
+            <a:extLst>
+              <a:ext uri="{FF2B5EF4-FFF2-40B4-BE49-F238E27FC236}">
+                <a16:creationId xmlns:a16="http://schemas.microsoft.com/office/drawing/2014/main" id="{3A711270-322B-3C37-4461-0475F08F8F4E}"/>
+              </a:ext>
+            </a:extLst>
+          </p:cNvPr>
+          <p:cNvPicPr>
+            <a:picLocks noChangeAspect="1"/>
+          </p:cNvPicPr>
+          <p:nvPr/>
+        </p:nvPicPr>
+        <p:blipFill>
+          <a:blip r:embed="rId4"/>
+          <a:stretch>
+            <a:fillRect/>
+          </a:stretch>
+        </p:blipFill>
+        <p:spPr>
+          <a:xfrm>
+            <a:off x="3750835" y="1791858"/>
+            <a:ext cx="5273843" cy="835925"/>
+          </a:xfrm>
+          <a:prstGeom prst="rect">
+            <a:avLst/>
+          </a:prstGeom>
+          <a:ln w="28575">
+            <a:solidFill>
+              <a:srgbClr val="404040"/>
+            </a:solidFill>
+          </a:ln>
+        </p:spPr>
       </p:pic>
       <p:cxnSp>
         <p:nvCxnSpPr>
@@ -18066,13 +18642,15 @@
               </a:ext>
             </a:extLst>
           </p:cNvPr>
-          <p:cNvCxnSpPr/>
+          <p:cNvCxnSpPr>
+            <a:cxnSpLocks/>
+          </p:cNvCxnSpPr>
           <p:nvPr/>
         </p:nvCxnSpPr>
         <p:spPr>
-          <a:xfrm flipV="1">
-            <a:off x="6324599" y="4426892"/>
-            <a:ext cx="1219201" cy="900933"/>
+          <a:xfrm>
+            <a:off x="6324599" y="5327825"/>
+            <a:ext cx="838201" cy="869992"/>
           </a:xfrm>
           <a:prstGeom prst="straightConnector1">
             <a:avLst/>
@@ -18108,13 +18686,15 @@
               </a:ext>
             </a:extLst>
           </p:cNvPr>
-          <p:cNvCxnSpPr/>
+          <p:cNvCxnSpPr>
+            <a:cxnSpLocks/>
+          </p:cNvCxnSpPr>
           <p:nvPr/>
         </p:nvCxnSpPr>
         <p:spPr>
-          <a:xfrm flipV="1">
-            <a:off x="6248400" y="3962400"/>
-            <a:ext cx="990600" cy="1264309"/>
+          <a:xfrm>
+            <a:off x="6248400" y="5226709"/>
+            <a:ext cx="990600" cy="196116"/>
           </a:xfrm>
           <a:prstGeom prst="straightConnector1">
             <a:avLst/>
@@ -18331,7 +18911,7 @@
           <p:nvPr/>
         </p:nvPicPr>
         <p:blipFill rotWithShape="1">
-          <a:blip r:embed="rId4"/>
+          <a:blip r:embed="rId5"/>
           <a:srcRect l="8000" r="9400"/>
           <a:stretch/>
         </p:blipFill>
@@ -18345,620 +18925,6 @@
           </a:prstGeom>
           <a:noFill/>
         </p:spPr>
-      </p:pic>
-      <p:sp>
-        <p:nvSpPr>
-          <p:cNvPr id="6" name="TextBox 5">
-            <a:extLst>
-              <a:ext uri="{FF2B5EF4-FFF2-40B4-BE49-F238E27FC236}">
-                <a16:creationId xmlns:a16="http://schemas.microsoft.com/office/drawing/2014/main" id="{E58EF064-51FF-48A9-8810-E84BE6F6F09D}"/>
-              </a:ext>
-            </a:extLst>
-          </p:cNvPr>
-          <p:cNvSpPr txBox="1"/>
-          <p:nvPr/>
-        </p:nvSpPr>
-        <p:spPr>
-          <a:xfrm>
-            <a:off x="3810000" y="621916"/>
-            <a:ext cx="5273842" cy="6001643"/>
-          </a:xfrm>
-          <a:prstGeom prst="rect">
-            <a:avLst/>
-          </a:prstGeom>
-          <a:noFill/>
-        </p:spPr>
-        <p:txBody>
-          <a:bodyPr wrap="square" rtlCol="0">
-            <a:spAutoFit/>
-          </a:bodyPr>
-          <a:lstStyle/>
-          <a:p>
-            <a:pPr marL="342900" marR="0" lvl="0" indent="-342900" algn="l" defTabSz="457200" rtl="0" eaLnBrk="1" fontAlgn="base" latinLnBrk="0" hangingPunct="1">
-              <a:lnSpc>
-                <a:spcPct val="100000"/>
-              </a:lnSpc>
-              <a:spcBef>
-                <a:spcPct val="0"/>
-              </a:spcBef>
-              <a:spcAft>
-                <a:spcPct val="0"/>
-              </a:spcAft>
-              <a:buClrTx/>
-              <a:buSzTx/>
-              <a:buFont typeface="Arial" panose="020B0604020202020204" pitchFamily="34" charset="0"/>
-              <a:buChar char="•"/>
-              <a:tabLst/>
-              <a:defRPr/>
-            </a:pPr>
-            <a:r>
-              <a:rPr kumimoji="0" lang="en-US" sz="2400" b="0" i="0" u="none" strike="noStrike" kern="1200" cap="none" spc="0" normalizeH="0" baseline="0" noProof="0" dirty="0">
-                <a:ln>
-                  <a:noFill/>
-                </a:ln>
-                <a:solidFill>
-                  <a:srgbClr val="404040"/>
-                </a:solidFill>
-                <a:effectLst/>
-                <a:uLnTx/>
-                <a:uFillTx/>
-                <a:latin typeface="Arial" charset="0"/>
-                <a:ea typeface="ＭＳ Ｐゴシック" charset="-128"/>
-              </a:rPr>
-              <a:t>Step 4: Continued</a:t>
-            </a:r>
-          </a:p>
-          <a:p>
-            <a:pPr marL="342900" marR="0" lvl="0" indent="-342900" algn="l" defTabSz="457200" rtl="0" eaLnBrk="1" fontAlgn="base" latinLnBrk="0" hangingPunct="1">
-              <a:lnSpc>
-                <a:spcPct val="100000"/>
-              </a:lnSpc>
-              <a:spcBef>
-                <a:spcPct val="0"/>
-              </a:spcBef>
-              <a:spcAft>
-                <a:spcPct val="0"/>
-              </a:spcAft>
-              <a:buClrTx/>
-              <a:buSzTx/>
-              <a:buFont typeface="Arial" panose="020B0604020202020204" pitchFamily="34" charset="0"/>
-              <a:buChar char="•"/>
-              <a:tabLst/>
-              <a:defRPr/>
-            </a:pPr>
-            <a:endParaRPr kumimoji="0" lang="en-US" sz="2400" b="0" i="0" u="none" strike="noStrike" kern="1200" cap="none" spc="0" normalizeH="0" baseline="0" noProof="0" dirty="0">
-              <a:ln>
-                <a:noFill/>
-              </a:ln>
-              <a:solidFill>
-                <a:srgbClr val="404040"/>
-              </a:solidFill>
-              <a:effectLst/>
-              <a:uLnTx/>
-              <a:uFillTx/>
-              <a:latin typeface="Arial" charset="0"/>
-              <a:ea typeface="ＭＳ Ｐゴシック" charset="-128"/>
-            </a:endParaRPr>
-          </a:p>
-          <a:p>
-            <a:pPr marL="800100" marR="0" lvl="1" indent="-342900" algn="l" defTabSz="457200" rtl="0" eaLnBrk="1" fontAlgn="base" latinLnBrk="0" hangingPunct="1">
-              <a:lnSpc>
-                <a:spcPct val="100000"/>
-              </a:lnSpc>
-              <a:spcBef>
-                <a:spcPct val="0"/>
-              </a:spcBef>
-              <a:spcAft>
-                <a:spcPct val="0"/>
-              </a:spcAft>
-              <a:buClrTx/>
-              <a:buSzTx/>
-              <a:buFont typeface="Arial" panose="020B0604020202020204" pitchFamily="34" charset="0"/>
-              <a:buChar char="•"/>
-              <a:tabLst/>
-              <a:defRPr/>
-            </a:pPr>
-            <a:r>
-              <a:rPr kumimoji="0" lang="en-US" sz="2400" b="0" i="0" u="none" strike="noStrike" kern="1200" cap="none" spc="0" normalizeH="0" baseline="0" noProof="0" dirty="0">
-                <a:ln>
-                  <a:noFill/>
-                </a:ln>
-                <a:solidFill>
-                  <a:srgbClr val="404040"/>
-                </a:solidFill>
-                <a:effectLst/>
-                <a:uLnTx/>
-                <a:uFillTx/>
-                <a:latin typeface="Arial" charset="0"/>
-                <a:ea typeface="ＭＳ Ｐゴシック" charset="-128"/>
-              </a:rPr>
-              <a:t>Find Content You Want</a:t>
-            </a:r>
-          </a:p>
-          <a:p>
-            <a:pPr marL="800100" marR="0" lvl="1" indent="-342900" algn="l" defTabSz="457200" rtl="0" eaLnBrk="1" fontAlgn="base" latinLnBrk="0" hangingPunct="1">
-              <a:lnSpc>
-                <a:spcPct val="100000"/>
-              </a:lnSpc>
-              <a:spcBef>
-                <a:spcPct val="0"/>
-              </a:spcBef>
-              <a:spcAft>
-                <a:spcPct val="0"/>
-              </a:spcAft>
-              <a:buClrTx/>
-              <a:buSzTx/>
-              <a:buFont typeface="Arial" panose="020B0604020202020204" pitchFamily="34" charset="0"/>
-              <a:buChar char="•"/>
-              <a:tabLst/>
-              <a:defRPr/>
-            </a:pPr>
-            <a:endParaRPr kumimoji="0" lang="en-US" sz="2400" b="0" i="0" u="none" strike="noStrike" kern="1200" cap="none" spc="0" normalizeH="0" baseline="0" noProof="0" dirty="0">
-              <a:ln>
-                <a:noFill/>
-              </a:ln>
-              <a:solidFill>
-                <a:srgbClr val="404040"/>
-              </a:solidFill>
-              <a:effectLst/>
-              <a:uLnTx/>
-              <a:uFillTx/>
-              <a:latin typeface="Arial" charset="0"/>
-              <a:ea typeface="ＭＳ Ｐゴシック" charset="-128"/>
-            </a:endParaRPr>
-          </a:p>
-          <a:p>
-            <a:pPr marL="800100" marR="0" lvl="1" indent="-342900" algn="l" defTabSz="457200" rtl="0" eaLnBrk="1" fontAlgn="base" latinLnBrk="0" hangingPunct="1">
-              <a:lnSpc>
-                <a:spcPct val="100000"/>
-              </a:lnSpc>
-              <a:spcBef>
-                <a:spcPct val="0"/>
-              </a:spcBef>
-              <a:spcAft>
-                <a:spcPct val="0"/>
-              </a:spcAft>
-              <a:buClrTx/>
-              <a:buSzTx/>
-              <a:buFont typeface="Arial" panose="020B0604020202020204" pitchFamily="34" charset="0"/>
-              <a:buChar char="•"/>
-              <a:tabLst/>
-              <a:defRPr/>
-            </a:pPr>
-            <a:endParaRPr kumimoji="0" lang="en-US" sz="2400" b="0" i="0" u="none" strike="noStrike" kern="1200" cap="none" spc="0" normalizeH="0" baseline="0" noProof="0" dirty="0">
-              <a:ln>
-                <a:noFill/>
-              </a:ln>
-              <a:solidFill>
-                <a:srgbClr val="404040"/>
-              </a:solidFill>
-              <a:effectLst/>
-              <a:uLnTx/>
-              <a:uFillTx/>
-              <a:latin typeface="Arial" charset="0"/>
-              <a:ea typeface="ＭＳ Ｐゴシック" charset="-128"/>
-            </a:endParaRPr>
-          </a:p>
-          <a:p>
-            <a:pPr marL="800100" marR="0" lvl="1" indent="-342900" algn="l" defTabSz="457200" rtl="0" eaLnBrk="1" fontAlgn="base" latinLnBrk="0" hangingPunct="1">
-              <a:lnSpc>
-                <a:spcPct val="100000"/>
-              </a:lnSpc>
-              <a:spcBef>
-                <a:spcPct val="0"/>
-              </a:spcBef>
-              <a:spcAft>
-                <a:spcPct val="0"/>
-              </a:spcAft>
-              <a:buClrTx/>
-              <a:buSzTx/>
-              <a:buFont typeface="Arial" panose="020B0604020202020204" pitchFamily="34" charset="0"/>
-              <a:buChar char="•"/>
-              <a:tabLst/>
-              <a:defRPr/>
-            </a:pPr>
-            <a:endParaRPr kumimoji="0" lang="en-US" sz="2400" b="0" i="0" u="none" strike="noStrike" kern="1200" cap="none" spc="0" normalizeH="0" baseline="0" noProof="0" dirty="0">
-              <a:ln>
-                <a:noFill/>
-              </a:ln>
-              <a:solidFill>
-                <a:srgbClr val="404040"/>
-              </a:solidFill>
-              <a:effectLst/>
-              <a:uLnTx/>
-              <a:uFillTx/>
-              <a:latin typeface="Arial" charset="0"/>
-              <a:ea typeface="ＭＳ Ｐゴシック" charset="-128"/>
-            </a:endParaRPr>
-          </a:p>
-          <a:p>
-            <a:pPr marL="800100" marR="0" lvl="1" indent="-342900" algn="l" defTabSz="457200" rtl="0" eaLnBrk="1" fontAlgn="base" latinLnBrk="0" hangingPunct="1">
-              <a:lnSpc>
-                <a:spcPct val="100000"/>
-              </a:lnSpc>
-              <a:spcBef>
-                <a:spcPct val="0"/>
-              </a:spcBef>
-              <a:spcAft>
-                <a:spcPct val="0"/>
-              </a:spcAft>
-              <a:buClrTx/>
-              <a:buSzTx/>
-              <a:buFont typeface="Arial" panose="020B0604020202020204" pitchFamily="34" charset="0"/>
-              <a:buChar char="•"/>
-              <a:tabLst/>
-              <a:defRPr/>
-            </a:pPr>
-            <a:endParaRPr kumimoji="0" lang="en-US" sz="2400" b="0" i="0" u="none" strike="noStrike" kern="1200" cap="none" spc="0" normalizeH="0" baseline="0" noProof="0" dirty="0">
-              <a:ln>
-                <a:noFill/>
-              </a:ln>
-              <a:solidFill>
-                <a:srgbClr val="404040"/>
-              </a:solidFill>
-              <a:effectLst/>
-              <a:uLnTx/>
-              <a:uFillTx/>
-              <a:latin typeface="Arial" charset="0"/>
-              <a:ea typeface="ＭＳ Ｐゴシック" charset="-128"/>
-            </a:endParaRPr>
-          </a:p>
-          <a:p>
-            <a:pPr marL="800100" marR="0" lvl="1" indent="-342900" algn="l" defTabSz="457200" rtl="0" eaLnBrk="1" fontAlgn="base" latinLnBrk="0" hangingPunct="1">
-              <a:lnSpc>
-                <a:spcPct val="100000"/>
-              </a:lnSpc>
-              <a:spcBef>
-                <a:spcPct val="0"/>
-              </a:spcBef>
-              <a:spcAft>
-                <a:spcPct val="0"/>
-              </a:spcAft>
-              <a:buClrTx/>
-              <a:buSzTx/>
-              <a:buFont typeface="Arial" panose="020B0604020202020204" pitchFamily="34" charset="0"/>
-              <a:buChar char="•"/>
-              <a:tabLst/>
-              <a:defRPr/>
-            </a:pPr>
-            <a:endParaRPr kumimoji="0" lang="en-US" sz="2400" b="0" i="0" u="none" strike="noStrike" kern="1200" cap="none" spc="0" normalizeH="0" baseline="0" noProof="0" dirty="0">
-              <a:ln>
-                <a:noFill/>
-              </a:ln>
-              <a:solidFill>
-                <a:srgbClr val="404040"/>
-              </a:solidFill>
-              <a:effectLst/>
-              <a:uLnTx/>
-              <a:uFillTx/>
-              <a:latin typeface="Arial" charset="0"/>
-              <a:ea typeface="ＭＳ Ｐゴシック" charset="-128"/>
-            </a:endParaRPr>
-          </a:p>
-          <a:p>
-            <a:pPr marL="800100" marR="0" lvl="1" indent="-342900" algn="l" defTabSz="457200" rtl="0" eaLnBrk="1" fontAlgn="base" latinLnBrk="0" hangingPunct="1">
-              <a:lnSpc>
-                <a:spcPct val="100000"/>
-              </a:lnSpc>
-              <a:spcBef>
-                <a:spcPct val="0"/>
-              </a:spcBef>
-              <a:spcAft>
-                <a:spcPct val="0"/>
-              </a:spcAft>
-              <a:buClrTx/>
-              <a:buSzTx/>
-              <a:buFont typeface="Arial" panose="020B0604020202020204" pitchFamily="34" charset="0"/>
-              <a:buChar char="•"/>
-              <a:tabLst/>
-              <a:defRPr/>
-            </a:pPr>
-            <a:r>
-              <a:rPr kumimoji="0" lang="en-US" sz="2400" b="0" i="0" u="none" strike="noStrike" kern="1200" cap="none" spc="0" normalizeH="0" baseline="0" noProof="0" dirty="0">
-                <a:ln>
-                  <a:noFill/>
-                </a:ln>
-                <a:solidFill>
-                  <a:srgbClr val="404040"/>
-                </a:solidFill>
-                <a:effectLst/>
-                <a:uLnTx/>
-                <a:uFillTx/>
-                <a:latin typeface="Arial" charset="0"/>
-                <a:ea typeface="ＭＳ Ｐゴシック" charset="-128"/>
-              </a:rPr>
-              <a:t>Point and Click </a:t>
-            </a:r>
-          </a:p>
-          <a:p>
-            <a:pPr marL="457200" marR="0" lvl="1" indent="0" algn="l" defTabSz="457200" rtl="0" eaLnBrk="1" fontAlgn="base" latinLnBrk="0" hangingPunct="1">
-              <a:lnSpc>
-                <a:spcPct val="100000"/>
-              </a:lnSpc>
-              <a:spcBef>
-                <a:spcPct val="0"/>
-              </a:spcBef>
-              <a:spcAft>
-                <a:spcPct val="0"/>
-              </a:spcAft>
-              <a:buClrTx/>
-              <a:buSzTx/>
-              <a:buFontTx/>
-              <a:buNone/>
-              <a:tabLst/>
-              <a:defRPr/>
-            </a:pPr>
-            <a:r>
-              <a:rPr kumimoji="0" lang="en-US" sz="2400" b="0" i="0" u="none" strike="noStrike" kern="1200" cap="none" spc="0" normalizeH="0" baseline="0" noProof="0" dirty="0">
-                <a:ln>
-                  <a:noFill/>
-                </a:ln>
-                <a:solidFill>
-                  <a:srgbClr val="404040"/>
-                </a:solidFill>
-                <a:effectLst/>
-                <a:uLnTx/>
-                <a:uFillTx/>
-                <a:latin typeface="Arial" charset="0"/>
-                <a:ea typeface="ＭＳ Ｐゴシック" charset="-128"/>
-              </a:rPr>
-              <a:t>    to Select Info</a:t>
-            </a:r>
-          </a:p>
-          <a:p>
-            <a:pPr marL="800100" marR="0" lvl="1" indent="-342900" algn="l" defTabSz="457200" rtl="0" eaLnBrk="1" fontAlgn="base" latinLnBrk="0" hangingPunct="1">
-              <a:lnSpc>
-                <a:spcPct val="100000"/>
-              </a:lnSpc>
-              <a:spcBef>
-                <a:spcPct val="0"/>
-              </a:spcBef>
-              <a:spcAft>
-                <a:spcPct val="0"/>
-              </a:spcAft>
-              <a:buClrTx/>
-              <a:buSzTx/>
-              <a:buFont typeface="Arial" panose="020B0604020202020204" pitchFamily="34" charset="0"/>
-              <a:buChar char="•"/>
-              <a:tabLst/>
-              <a:defRPr/>
-            </a:pPr>
-            <a:endParaRPr kumimoji="0" lang="en-US" sz="2400" b="0" i="0" u="none" strike="noStrike" kern="1200" cap="none" spc="0" normalizeH="0" baseline="0" noProof="0" dirty="0">
-              <a:ln>
-                <a:noFill/>
-              </a:ln>
-              <a:solidFill>
-                <a:srgbClr val="404040"/>
-              </a:solidFill>
-              <a:effectLst/>
-              <a:uLnTx/>
-              <a:uFillTx/>
-              <a:latin typeface="Arial" charset="0"/>
-              <a:ea typeface="ＭＳ Ｐゴシック" charset="-128"/>
-            </a:endParaRPr>
-          </a:p>
-          <a:p>
-            <a:pPr marL="800100" marR="0" lvl="1" indent="-342900" algn="l" defTabSz="457200" rtl="0" eaLnBrk="1" fontAlgn="base" latinLnBrk="0" hangingPunct="1">
-              <a:lnSpc>
-                <a:spcPct val="100000"/>
-              </a:lnSpc>
-              <a:spcBef>
-                <a:spcPct val="0"/>
-              </a:spcBef>
-              <a:spcAft>
-                <a:spcPct val="0"/>
-              </a:spcAft>
-              <a:buClrTx/>
-              <a:buSzTx/>
-              <a:buFont typeface="Arial" panose="020B0604020202020204" pitchFamily="34" charset="0"/>
-              <a:buChar char="•"/>
-              <a:tabLst/>
-              <a:defRPr/>
-            </a:pPr>
-            <a:r>
-              <a:rPr kumimoji="0" lang="en-US" sz="2400" b="0" i="0" u="none" strike="noStrike" kern="1200" cap="none" spc="0" normalizeH="0" baseline="0" noProof="0" dirty="0">
-                <a:ln>
-                  <a:noFill/>
-                </a:ln>
-                <a:solidFill>
-                  <a:srgbClr val="404040"/>
-                </a:solidFill>
-                <a:effectLst/>
-                <a:uLnTx/>
-                <a:uFillTx/>
-                <a:latin typeface="Arial" charset="0"/>
-                <a:ea typeface="ＭＳ Ｐゴシック" charset="-128"/>
-              </a:rPr>
-              <a:t>Info We Want is</a:t>
-            </a:r>
-          </a:p>
-          <a:p>
-            <a:pPr marL="457200" marR="0" lvl="1" indent="0" algn="l" defTabSz="457200" rtl="0" eaLnBrk="1" fontAlgn="base" latinLnBrk="0" hangingPunct="1">
-              <a:lnSpc>
-                <a:spcPct val="100000"/>
-              </a:lnSpc>
-              <a:spcBef>
-                <a:spcPct val="0"/>
-              </a:spcBef>
-              <a:spcAft>
-                <a:spcPct val="0"/>
-              </a:spcAft>
-              <a:buClrTx/>
-              <a:buSzTx/>
-              <a:buFontTx/>
-              <a:buNone/>
-              <a:tabLst/>
-              <a:defRPr/>
-            </a:pPr>
-            <a:r>
-              <a:rPr kumimoji="0" lang="en-US" sz="2400" b="0" i="0" u="none" strike="noStrike" kern="1200" cap="none" spc="0" normalizeH="0" baseline="0" noProof="0" dirty="0">
-                <a:ln>
-                  <a:noFill/>
-                </a:ln>
-                <a:solidFill>
-                  <a:srgbClr val="404040"/>
-                </a:solidFill>
-                <a:effectLst/>
-                <a:uLnTx/>
-                <a:uFillTx/>
-                <a:latin typeface="Arial" charset="0"/>
-                <a:ea typeface="ＭＳ Ｐゴシック" charset="-128"/>
-              </a:rPr>
-              <a:t>    Highlighted</a:t>
-            </a:r>
-          </a:p>
-          <a:p>
-            <a:pPr marL="800100" marR="0" lvl="1" indent="-342900" algn="l" defTabSz="457200" rtl="0" eaLnBrk="1" fontAlgn="base" latinLnBrk="0" hangingPunct="1">
-              <a:lnSpc>
-                <a:spcPct val="100000"/>
-              </a:lnSpc>
-              <a:spcBef>
-                <a:spcPct val="0"/>
-              </a:spcBef>
-              <a:spcAft>
-                <a:spcPct val="0"/>
-              </a:spcAft>
-              <a:buClrTx/>
-              <a:buSzTx/>
-              <a:buFont typeface="Arial" panose="020B0604020202020204" pitchFamily="34" charset="0"/>
-              <a:buChar char="•"/>
-              <a:tabLst/>
-              <a:defRPr/>
-            </a:pPr>
-            <a:endParaRPr kumimoji="0" lang="en-US" sz="2400" b="0" i="0" u="none" strike="noStrike" kern="1200" cap="none" spc="0" normalizeH="0" baseline="0" noProof="0" dirty="0">
-              <a:ln>
-                <a:noFill/>
-              </a:ln>
-              <a:solidFill>
-                <a:srgbClr val="404040"/>
-              </a:solidFill>
-              <a:effectLst/>
-              <a:uLnTx/>
-              <a:uFillTx/>
-              <a:latin typeface="Arial" charset="0"/>
-              <a:ea typeface="ＭＳ Ｐゴシック" charset="-128"/>
-            </a:endParaRPr>
-          </a:p>
-          <a:p>
-            <a:pPr marL="800100" marR="0" lvl="1" indent="-342900" algn="l" defTabSz="457200" rtl="0" eaLnBrk="1" fontAlgn="base" latinLnBrk="0" hangingPunct="1">
-              <a:lnSpc>
-                <a:spcPct val="100000"/>
-              </a:lnSpc>
-              <a:spcBef>
-                <a:spcPct val="0"/>
-              </a:spcBef>
-              <a:spcAft>
-                <a:spcPct val="0"/>
-              </a:spcAft>
-              <a:buClrTx/>
-              <a:buSzTx/>
-              <a:buFont typeface="Arial" panose="020B0604020202020204" pitchFamily="34" charset="0"/>
-              <a:buChar char="•"/>
-              <a:tabLst/>
-              <a:defRPr/>
-            </a:pPr>
-            <a:r>
-              <a:rPr kumimoji="0" lang="en-US" sz="2400" b="0" i="0" u="none" strike="noStrike" kern="1200" cap="none" spc="0" normalizeH="0" baseline="0" noProof="0" dirty="0">
-                <a:ln>
-                  <a:noFill/>
-                </a:ln>
-                <a:solidFill>
-                  <a:srgbClr val="404040"/>
-                </a:solidFill>
-                <a:effectLst/>
-                <a:uLnTx/>
-                <a:uFillTx/>
-                <a:latin typeface="Arial" charset="0"/>
-                <a:ea typeface="ＭＳ Ｐゴシック" charset="-128"/>
-              </a:rPr>
-              <a:t>Info We Don’t </a:t>
-            </a:r>
-          </a:p>
-          <a:p>
-            <a:pPr marL="457200" marR="0" lvl="1" indent="0" algn="l" defTabSz="457200" rtl="0" eaLnBrk="1" fontAlgn="base" latinLnBrk="0" hangingPunct="1">
-              <a:lnSpc>
-                <a:spcPct val="100000"/>
-              </a:lnSpc>
-              <a:spcBef>
-                <a:spcPct val="0"/>
-              </a:spcBef>
-              <a:spcAft>
-                <a:spcPct val="0"/>
-              </a:spcAft>
-              <a:buClrTx/>
-              <a:buSzTx/>
-              <a:buFontTx/>
-              <a:buNone/>
-              <a:tabLst/>
-              <a:defRPr/>
-            </a:pPr>
-            <a:r>
-              <a:rPr kumimoji="0" lang="en-US" sz="2400" b="0" i="0" u="none" strike="noStrike" kern="1200" cap="none" spc="0" normalizeH="0" baseline="0" noProof="0" dirty="0">
-                <a:ln>
-                  <a:noFill/>
-                </a:ln>
-                <a:solidFill>
-                  <a:srgbClr val="404040"/>
-                </a:solidFill>
-                <a:effectLst/>
-                <a:uLnTx/>
-                <a:uFillTx/>
-                <a:latin typeface="Arial" charset="0"/>
-                <a:ea typeface="ＭＳ Ｐゴシック" charset="-128"/>
-              </a:rPr>
-              <a:t>    Want, As Well</a:t>
-            </a:r>
-          </a:p>
-        </p:txBody>
-      </p:sp>
-      <p:pic>
-        <p:nvPicPr>
-          <p:cNvPr id="9" name="Picture 8">
-            <a:extLst>
-              <a:ext uri="{FF2B5EF4-FFF2-40B4-BE49-F238E27FC236}">
-                <a16:creationId xmlns:a16="http://schemas.microsoft.com/office/drawing/2014/main" id="{21BED908-A51A-465B-81C4-C7F72E7296D1}"/>
-              </a:ext>
-            </a:extLst>
-          </p:cNvPr>
-          <p:cNvPicPr>
-            <a:picLocks noChangeAspect="1"/>
-          </p:cNvPicPr>
-          <p:nvPr/>
-        </p:nvPicPr>
-        <p:blipFill>
-          <a:blip r:embed="rId5"/>
-          <a:stretch>
-            <a:fillRect/>
-          </a:stretch>
-        </p:blipFill>
-        <p:spPr>
-          <a:xfrm>
-            <a:off x="3733800" y="1819275"/>
-            <a:ext cx="5290879" cy="1609725"/>
-          </a:xfrm>
-          <a:prstGeom prst="rect">
-            <a:avLst/>
-          </a:prstGeom>
-          <a:ln>
-            <a:solidFill>
-              <a:srgbClr val="404040"/>
-            </a:solidFill>
-          </a:ln>
-        </p:spPr>
-        <p:style>
-          <a:lnRef idx="2">
-            <a:schemeClr val="dk1"/>
-          </a:lnRef>
-          <a:fillRef idx="1">
-            <a:schemeClr val="lt1"/>
-          </a:fillRef>
-          <a:effectRef idx="0">
-            <a:schemeClr val="dk1"/>
-          </a:effectRef>
-          <a:fontRef idx="minor">
-            <a:schemeClr val="dk1"/>
-          </a:fontRef>
-        </p:style>
       </p:pic>
       <p:sp>
         <p:nvSpPr>
@@ -19129,48 +19095,6 @@
       </p:sp>
       <p:cxnSp>
         <p:nvCxnSpPr>
-          <p:cNvPr id="22" name="Straight Arrow Connector 21">
-            <a:extLst>
-              <a:ext uri="{FF2B5EF4-FFF2-40B4-BE49-F238E27FC236}">
-                <a16:creationId xmlns:a16="http://schemas.microsoft.com/office/drawing/2014/main" id="{B38E5478-124A-4F59-82E2-DCF2920E385F}"/>
-              </a:ext>
-            </a:extLst>
-          </p:cNvPr>
-          <p:cNvCxnSpPr/>
-          <p:nvPr/>
-        </p:nvCxnSpPr>
-        <p:spPr>
-          <a:xfrm>
-            <a:off x="6629400" y="6324600"/>
-            <a:ext cx="914400" cy="381000"/>
-          </a:xfrm>
-          <a:prstGeom prst="straightConnector1">
-            <a:avLst/>
-          </a:prstGeom>
-          <a:ln>
-            <a:solidFill>
-              <a:srgbClr val="404040"/>
-            </a:solidFill>
-            <a:tailEnd type="triangle"/>
-          </a:ln>
-        </p:spPr>
-        <p:style>
-          <a:lnRef idx="2">
-            <a:schemeClr val="accent1"/>
-          </a:lnRef>
-          <a:fillRef idx="0">
-            <a:schemeClr val="accent1"/>
-          </a:fillRef>
-          <a:effectRef idx="1">
-            <a:schemeClr val="accent1"/>
-          </a:effectRef>
-          <a:fontRef idx="minor">
-            <a:schemeClr val="tx1"/>
-          </a:fontRef>
-        </p:style>
-      </p:cxnSp>
-      <p:cxnSp>
-        <p:nvCxnSpPr>
           <p:cNvPr id="24" name="Straight Arrow Connector 23">
             <a:extLst>
               <a:ext uri="{FF2B5EF4-FFF2-40B4-BE49-F238E27FC236}">
@@ -19178,13 +19102,15 @@
               </a:ext>
             </a:extLst>
           </p:cNvPr>
-          <p:cNvCxnSpPr/>
+          <p:cNvCxnSpPr>
+            <a:cxnSpLocks/>
+          </p:cNvCxnSpPr>
           <p:nvPr/>
         </p:nvCxnSpPr>
         <p:spPr>
           <a:xfrm flipV="1">
-            <a:off x="6705600" y="5943600"/>
-            <a:ext cx="1828800" cy="52401"/>
+            <a:off x="6705600" y="3966307"/>
+            <a:ext cx="1455709" cy="2029694"/>
           </a:xfrm>
           <a:prstGeom prst="straightConnector1">
             <a:avLst/>
@@ -19254,6 +19180,41 @@
           <a:chExt cx="0" cy="0"/>
         </a:xfrm>
       </p:grpSpPr>
+      <p:pic>
+        <p:nvPicPr>
+          <p:cNvPr id="10" name="Picture 9">
+            <a:extLst>
+              <a:ext uri="{FF2B5EF4-FFF2-40B4-BE49-F238E27FC236}">
+                <a16:creationId xmlns:a16="http://schemas.microsoft.com/office/drawing/2014/main" id="{1E33CFDE-C7A1-7B6A-652A-0FDAF478E2BF}"/>
+              </a:ext>
+            </a:extLst>
+          </p:cNvPr>
+          <p:cNvPicPr>
+            <a:picLocks noChangeAspect="1"/>
+          </p:cNvPicPr>
+          <p:nvPr/>
+        </p:nvPicPr>
+        <p:blipFill>
+          <a:blip r:embed="rId3"/>
+          <a:stretch>
+            <a:fillRect/>
+          </a:stretch>
+        </p:blipFill>
+        <p:spPr>
+          <a:xfrm>
+            <a:off x="6522700" y="4492938"/>
+            <a:ext cx="2327373" cy="2269067"/>
+          </a:xfrm>
+          <a:prstGeom prst="rect">
+            <a:avLst/>
+          </a:prstGeom>
+          <a:ln w="28575">
+            <a:solidFill>
+              <a:srgbClr val="404040"/>
+            </a:solidFill>
+          </a:ln>
+        </p:spPr>
+      </p:pic>
       <p:sp>
         <p:nvSpPr>
           <p:cNvPr id="15" name="Rectangle 12">
@@ -19444,7 +19405,7 @@
           <p:nvPr/>
         </p:nvPicPr>
         <p:blipFill rotWithShape="1">
-          <a:blip r:embed="rId3"/>
+          <a:blip r:embed="rId4"/>
           <a:srcRect l="8000" r="9400"/>
           <a:stretch/>
         </p:blipFill>
@@ -19474,7 +19435,7 @@
         <p:spPr>
           <a:xfrm>
             <a:off x="3810000" y="621916"/>
-            <a:ext cx="5273842" cy="4893647"/>
+            <a:ext cx="5273842" cy="4154984"/>
           </a:xfrm>
           <a:prstGeom prst="rect">
             <a:avLst/>
@@ -19850,124 +19811,8 @@
               <a:t>    to Deselect</a:t>
             </a:r>
           </a:p>
-          <a:p>
-            <a:pPr marL="457200" marR="0" lvl="1" indent="0" algn="l" defTabSz="457200" rtl="0" eaLnBrk="1" fontAlgn="base" latinLnBrk="0" hangingPunct="1">
-              <a:lnSpc>
-                <a:spcPct val="100000"/>
-              </a:lnSpc>
-              <a:spcBef>
-                <a:spcPct val="0"/>
-              </a:spcBef>
-              <a:spcAft>
-                <a:spcPct val="0"/>
-              </a:spcAft>
-              <a:buClrTx/>
-              <a:buSzTx/>
-              <a:buFontTx/>
-              <a:buNone/>
-              <a:tabLst/>
-              <a:defRPr/>
-            </a:pPr>
-            <a:endParaRPr kumimoji="0" lang="en-US" sz="2400" b="0" i="0" u="none" strike="noStrike" kern="1200" cap="none" spc="0" normalizeH="0" baseline="0" noProof="0" dirty="0">
-              <a:ln>
-                <a:noFill/>
-              </a:ln>
-              <a:solidFill>
-                <a:srgbClr val="404040"/>
-              </a:solidFill>
-              <a:effectLst/>
-              <a:uLnTx/>
-              <a:uFillTx/>
-              <a:latin typeface="Arial" charset="0"/>
-              <a:ea typeface="ＭＳ Ｐゴシック" charset="-128"/>
-            </a:endParaRPr>
-          </a:p>
-          <a:p>
-            <a:pPr marL="800100" marR="0" lvl="1" indent="-342900" algn="l" defTabSz="457200" rtl="0" eaLnBrk="1" fontAlgn="base" latinLnBrk="0" hangingPunct="1">
-              <a:lnSpc>
-                <a:spcPct val="100000"/>
-              </a:lnSpc>
-              <a:spcBef>
-                <a:spcPct val="0"/>
-              </a:spcBef>
-              <a:spcAft>
-                <a:spcPct val="0"/>
-              </a:spcAft>
-              <a:buClrTx/>
-              <a:buSzTx/>
-              <a:buFont typeface="Arial" panose="020B0604020202020204" pitchFamily="34" charset="0"/>
-              <a:buChar char="•"/>
-              <a:tabLst/>
-              <a:defRPr/>
-            </a:pPr>
-            <a:r>
-              <a:rPr kumimoji="0" lang="en-US" sz="2400" b="0" i="0" u="none" strike="noStrike" kern="1200" cap="none" spc="0" normalizeH="0" baseline="0" noProof="0" dirty="0">
-                <a:ln>
-                  <a:noFill/>
-                </a:ln>
-                <a:solidFill>
-                  <a:srgbClr val="404040"/>
-                </a:solidFill>
-                <a:effectLst/>
-                <a:uLnTx/>
-                <a:uFillTx/>
-                <a:latin typeface="Arial" charset="0"/>
-                <a:ea typeface="ＭＳ Ｐゴシック" charset="-128"/>
-              </a:rPr>
-              <a:t>Locate This Box</a:t>
-            </a:r>
-          </a:p>
         </p:txBody>
       </p:sp>
-      <p:pic>
-        <p:nvPicPr>
-          <p:cNvPr id="4" name="Picture 3">
-            <a:extLst>
-              <a:ext uri="{FF2B5EF4-FFF2-40B4-BE49-F238E27FC236}">
-                <a16:creationId xmlns:a16="http://schemas.microsoft.com/office/drawing/2014/main" id="{F1D67117-E66C-43BC-903B-4B982E9C93A5}"/>
-              </a:ext>
-            </a:extLst>
-          </p:cNvPr>
-          <p:cNvPicPr>
-            <a:picLocks noChangeAspect="1"/>
-          </p:cNvPicPr>
-          <p:nvPr/>
-        </p:nvPicPr>
-        <p:blipFill>
-          <a:blip r:embed="rId4"/>
-          <a:stretch>
-            <a:fillRect/>
-          </a:stretch>
-        </p:blipFill>
-        <p:spPr>
-          <a:xfrm>
-            <a:off x="4393812" y="1818234"/>
-            <a:ext cx="4247535" cy="1828800"/>
-          </a:xfrm>
-          <a:prstGeom prst="rect">
-            <a:avLst/>
-          </a:prstGeom>
-          <a:ln>
-            <a:solidFill>
-              <a:srgbClr val="404040"/>
-            </a:solidFill>
-          </a:ln>
-        </p:spPr>
-        <p:style>
-          <a:lnRef idx="2">
-            <a:schemeClr val="dk1"/>
-          </a:lnRef>
-          <a:fillRef idx="1">
-            <a:schemeClr val="lt1"/>
-          </a:fillRef>
-          <a:effectRef idx="0">
-            <a:schemeClr val="dk1"/>
-          </a:effectRef>
-          <a:fontRef idx="minor">
-            <a:schemeClr val="dk1"/>
-          </a:fontRef>
-        </p:style>
-      </p:pic>
       <p:sp>
         <p:nvSpPr>
           <p:cNvPr id="17" name="TextBox 16">
@@ -20052,6 +19897,85 @@
           </a:p>
         </p:txBody>
       </p:sp>
+      <p:cxnSp>
+        <p:nvCxnSpPr>
+          <p:cNvPr id="21" name="Straight Arrow Connector 20">
+            <a:extLst>
+              <a:ext uri="{FF2B5EF4-FFF2-40B4-BE49-F238E27FC236}">
+                <a16:creationId xmlns:a16="http://schemas.microsoft.com/office/drawing/2014/main" id="{DDEC9B73-9DFC-4B59-A141-4930368C4128}"/>
+              </a:ext>
+            </a:extLst>
+          </p:cNvPr>
+          <p:cNvCxnSpPr>
+            <a:cxnSpLocks/>
+          </p:cNvCxnSpPr>
+          <p:nvPr/>
+        </p:nvCxnSpPr>
+        <p:spPr>
+          <a:xfrm>
+            <a:off x="6778704" y="4191000"/>
+            <a:ext cx="917496" cy="368043"/>
+          </a:xfrm>
+          <a:prstGeom prst="straightConnector1">
+            <a:avLst/>
+          </a:prstGeom>
+          <a:ln>
+            <a:solidFill>
+              <a:srgbClr val="404040"/>
+            </a:solidFill>
+            <a:tailEnd type="triangle"/>
+          </a:ln>
+        </p:spPr>
+        <p:style>
+          <a:lnRef idx="2">
+            <a:schemeClr val="accent1"/>
+          </a:lnRef>
+          <a:fillRef idx="0">
+            <a:schemeClr val="accent1"/>
+          </a:fillRef>
+          <a:effectRef idx="1">
+            <a:schemeClr val="accent1"/>
+          </a:effectRef>
+          <a:fontRef idx="minor">
+            <a:schemeClr val="tx1"/>
+          </a:fontRef>
+        </p:style>
+      </p:cxnSp>
+      <p:pic>
+        <p:nvPicPr>
+          <p:cNvPr id="5" name="Picture 4">
+            <a:extLst>
+              <a:ext uri="{FF2B5EF4-FFF2-40B4-BE49-F238E27FC236}">
+                <a16:creationId xmlns:a16="http://schemas.microsoft.com/office/drawing/2014/main" id="{85061551-1745-8AD4-A0F8-C05F05AD4FFF}"/>
+              </a:ext>
+            </a:extLst>
+          </p:cNvPr>
+          <p:cNvPicPr>
+            <a:picLocks noChangeAspect="1"/>
+          </p:cNvPicPr>
+          <p:nvPr/>
+        </p:nvPicPr>
+        <p:blipFill>
+          <a:blip r:embed="rId5"/>
+          <a:stretch>
+            <a:fillRect/>
+          </a:stretch>
+        </p:blipFill>
+        <p:spPr>
+          <a:xfrm>
+            <a:off x="4175058" y="1859424"/>
+            <a:ext cx="4578585" cy="895396"/>
+          </a:xfrm>
+          <a:prstGeom prst="rect">
+            <a:avLst/>
+          </a:prstGeom>
+          <a:ln w="28575">
+            <a:solidFill>
+              <a:srgbClr val="404040"/>
+            </a:solidFill>
+          </a:ln>
+        </p:spPr>
+      </p:pic>
       <p:sp>
         <p:nvSpPr>
           <p:cNvPr id="19" name="Arrow: Up 18">
@@ -20066,8 +19990,8 @@
         </p:nvSpPr>
         <p:spPr>
           <a:xfrm>
-            <a:off x="6858000" y="2810288"/>
-            <a:ext cx="304800" cy="295688"/>
+            <a:off x="4259229" y="2512014"/>
+            <a:ext cx="625542" cy="611942"/>
           </a:xfrm>
           <a:prstGeom prst="upArrow">
             <a:avLst/>
@@ -20135,139 +20059,6 @@
           </a:p>
         </p:txBody>
       </p:sp>
-      <p:pic>
-        <p:nvPicPr>
-          <p:cNvPr id="7" name="Picture 6">
-            <a:extLst>
-              <a:ext uri="{FF2B5EF4-FFF2-40B4-BE49-F238E27FC236}">
-                <a16:creationId xmlns:a16="http://schemas.microsoft.com/office/drawing/2014/main" id="{D82ABADD-7950-42C2-BD46-D212E0EB7F4B}"/>
-              </a:ext>
-            </a:extLst>
-          </p:cNvPr>
-          <p:cNvPicPr>
-            <a:picLocks noChangeAspect="1"/>
-          </p:cNvPicPr>
-          <p:nvPr/>
-        </p:nvPicPr>
-        <p:blipFill>
-          <a:blip r:embed="rId5"/>
-          <a:stretch>
-            <a:fillRect/>
-          </a:stretch>
-        </p:blipFill>
-        <p:spPr>
-          <a:xfrm>
-            <a:off x="7097982" y="3810000"/>
-            <a:ext cx="1535344" cy="2971800"/>
-          </a:xfrm>
-          <a:prstGeom prst="rect">
-            <a:avLst/>
-          </a:prstGeom>
-          <a:ln>
-            <a:solidFill>
-              <a:srgbClr val="404040"/>
-            </a:solidFill>
-          </a:ln>
-        </p:spPr>
-        <p:style>
-          <a:lnRef idx="2">
-            <a:schemeClr val="dk1"/>
-          </a:lnRef>
-          <a:fillRef idx="1">
-            <a:schemeClr val="lt1"/>
-          </a:fillRef>
-          <a:effectRef idx="0">
-            <a:schemeClr val="dk1"/>
-          </a:effectRef>
-          <a:fontRef idx="minor">
-            <a:schemeClr val="dk1"/>
-          </a:fontRef>
-        </p:style>
-      </p:pic>
-      <p:cxnSp>
-        <p:nvCxnSpPr>
-          <p:cNvPr id="11" name="Straight Arrow Connector 10">
-            <a:extLst>
-              <a:ext uri="{FF2B5EF4-FFF2-40B4-BE49-F238E27FC236}">
-                <a16:creationId xmlns:a16="http://schemas.microsoft.com/office/drawing/2014/main" id="{F57A232C-4505-4B48-B625-12E326418DA1}"/>
-              </a:ext>
-            </a:extLst>
-          </p:cNvPr>
-          <p:cNvCxnSpPr/>
-          <p:nvPr/>
-        </p:nvCxnSpPr>
-        <p:spPr>
-          <a:xfrm>
-            <a:off x="6781800" y="4360333"/>
-            <a:ext cx="914400" cy="2269067"/>
-          </a:xfrm>
-          <a:prstGeom prst="straightConnector1">
-            <a:avLst/>
-          </a:prstGeom>
-          <a:ln>
-            <a:solidFill>
-              <a:srgbClr val="404040"/>
-            </a:solidFill>
-            <a:tailEnd type="triangle"/>
-          </a:ln>
-        </p:spPr>
-        <p:style>
-          <a:lnRef idx="2">
-            <a:schemeClr val="accent1"/>
-          </a:lnRef>
-          <a:fillRef idx="0">
-            <a:schemeClr val="accent1"/>
-          </a:fillRef>
-          <a:effectRef idx="1">
-            <a:schemeClr val="accent1"/>
-          </a:effectRef>
-          <a:fontRef idx="minor">
-            <a:schemeClr val="tx1"/>
-          </a:fontRef>
-        </p:style>
-      </p:cxnSp>
-      <p:cxnSp>
-        <p:nvCxnSpPr>
-          <p:cNvPr id="21" name="Straight Arrow Connector 20">
-            <a:extLst>
-              <a:ext uri="{FF2B5EF4-FFF2-40B4-BE49-F238E27FC236}">
-                <a16:creationId xmlns:a16="http://schemas.microsoft.com/office/drawing/2014/main" id="{DDEC9B73-9DFC-4B59-A141-4930368C4128}"/>
-              </a:ext>
-            </a:extLst>
-          </p:cNvPr>
-          <p:cNvCxnSpPr/>
-          <p:nvPr/>
-        </p:nvCxnSpPr>
-        <p:spPr>
-          <a:xfrm>
-            <a:off x="6778704" y="4191000"/>
-            <a:ext cx="1755696" cy="1342787"/>
-          </a:xfrm>
-          <a:prstGeom prst="straightConnector1">
-            <a:avLst/>
-          </a:prstGeom>
-          <a:ln>
-            <a:solidFill>
-              <a:srgbClr val="404040"/>
-            </a:solidFill>
-            <a:tailEnd type="triangle"/>
-          </a:ln>
-        </p:spPr>
-        <p:style>
-          <a:lnRef idx="2">
-            <a:schemeClr val="accent1"/>
-          </a:lnRef>
-          <a:fillRef idx="0">
-            <a:schemeClr val="accent1"/>
-          </a:fillRef>
-          <a:effectRef idx="1">
-            <a:schemeClr val="accent1"/>
-          </a:effectRef>
-          <a:fontRef idx="minor">
-            <a:schemeClr val="tx1"/>
-          </a:fontRef>
-        </p:style>
-      </p:cxnSp>
     </p:spTree>
     <p:custDataLst>
       <p:tags r:id="rId1"/>
@@ -20311,6 +20102,41 @@
           <a:chExt cx="0" cy="0"/>
         </a:xfrm>
       </p:grpSpPr>
+      <p:pic>
+        <p:nvPicPr>
+          <p:cNvPr id="10" name="Picture 9">
+            <a:extLst>
+              <a:ext uri="{FF2B5EF4-FFF2-40B4-BE49-F238E27FC236}">
+                <a16:creationId xmlns:a16="http://schemas.microsoft.com/office/drawing/2014/main" id="{5B2C5985-30F1-BA5E-3AD8-6A2E3CB7266E}"/>
+              </a:ext>
+            </a:extLst>
+          </p:cNvPr>
+          <p:cNvPicPr>
+            <a:picLocks noChangeAspect="1"/>
+          </p:cNvPicPr>
+          <p:nvPr/>
+        </p:nvPicPr>
+        <p:blipFill>
+          <a:blip r:embed="rId3"/>
+          <a:stretch>
+            <a:fillRect/>
+          </a:stretch>
+        </p:blipFill>
+        <p:spPr>
+          <a:xfrm>
+            <a:off x="4255986" y="3878093"/>
+            <a:ext cx="4137207" cy="964480"/>
+          </a:xfrm>
+          <a:prstGeom prst="rect">
+            <a:avLst/>
+          </a:prstGeom>
+          <a:ln w="28575">
+            <a:solidFill>
+              <a:srgbClr val="404040"/>
+            </a:solidFill>
+          </a:ln>
+        </p:spPr>
+      </p:pic>
       <p:sp>
         <p:nvSpPr>
           <p:cNvPr id="15" name="Rectangle 12">
@@ -20501,7 +20327,7 @@
           <p:nvPr/>
         </p:nvPicPr>
         <p:blipFill rotWithShape="1">
-          <a:blip r:embed="rId3"/>
+          <a:blip r:embed="rId4"/>
           <a:srcRect l="8000" r="9400"/>
           <a:stretch/>
         </p:blipFill>
@@ -20642,7 +20468,47 @@
                 <a:latin typeface="Arial" charset="0"/>
                 <a:ea typeface="ＭＳ Ｐゴシック" charset="-128"/>
               </a:rPr>
-              <a:t>Locate This Box</a:t>
+              <a:t>Re</a:t>
+            </a:r>
+            <a:r>
+              <a:rPr lang="en-US" dirty="0">
+                <a:solidFill>
+                  <a:srgbClr val="404040"/>
+                </a:solidFill>
+              </a:rPr>
+              <a:t>l</a:t>
+            </a:r>
+            <a:r>
+              <a:rPr kumimoji="0" lang="en-US" sz="2400" b="0" i="0" u="none" strike="noStrike" kern="1200" cap="none" spc="0" normalizeH="0" baseline="0" noProof="0" dirty="0" err="1">
+                <a:ln>
+                  <a:noFill/>
+                </a:ln>
+                <a:solidFill>
+                  <a:srgbClr val="404040"/>
+                </a:solidFill>
+                <a:effectLst/>
+                <a:uLnTx/>
+                <a:uFillTx/>
+                <a:latin typeface="Arial" charset="0"/>
+                <a:ea typeface="ＭＳ Ｐゴシック" charset="-128"/>
+              </a:rPr>
+              <a:t>ocate</a:t>
+            </a:r>
+            <a:r>
+              <a:rPr kumimoji="0" lang="en-US" sz="2400" b="0" i="0" u="none" strike="noStrike" kern="1200" cap="none" spc="0" normalizeH="0" baseline="0" noProof="0" dirty="0">
+                <a:ln>
+                  <a:noFill/>
+                </a:ln>
+                <a:solidFill>
+                  <a:srgbClr val="404040"/>
+                </a:solidFill>
+                <a:effectLst/>
+                <a:uLnTx/>
+                <a:uFillTx/>
+                <a:latin typeface="Arial" charset="0"/>
+                <a:ea typeface="ＭＳ Ｐゴシック" charset="-128"/>
+              </a:rPr>
+              <a:t> This Box</a:t>
             </a:r>
           </a:p>
           <a:p>
@@ -20776,39 +20642,7 @@
                 <a:latin typeface="Arial" charset="0"/>
                 <a:ea typeface="ＭＳ Ｐゴシック" charset="-128"/>
               </a:rPr>
-              <a:t>      “#</a:t>
-            </a:r>
-            <a:r>
-              <a:rPr kumimoji="0" lang="en-US" sz="2400" b="0" i="0" u="none" strike="noStrike" kern="1200" cap="none" spc="0" normalizeH="0" baseline="0" noProof="0" dirty="0" err="1">
-                <a:ln>
-                  <a:noFill/>
-                </a:ln>
-                <a:solidFill>
-                  <a:srgbClr val="404040"/>
-                </a:solidFill>
-                <a:effectLst/>
-                <a:uLnTx/>
-                <a:uFillTx/>
-                <a:latin typeface="Arial" charset="0"/>
-                <a:ea typeface="ＭＳ Ｐゴシック" charset="-128"/>
-              </a:rPr>
-              <a:t>articleContentWrapper</a:t>
-            </a:r>
-            <a:r>
-              <a:rPr kumimoji="0" lang="en-US" sz="2400" b="0" i="0" u="none" strike="noStrike" kern="1200" cap="none" spc="0" normalizeH="0" baseline="0" noProof="0" dirty="0">
-                <a:ln>
-                  <a:noFill/>
-                </a:ln>
-                <a:solidFill>
-                  <a:srgbClr val="404040"/>
-                </a:solidFill>
-                <a:effectLst/>
-                <a:uLnTx/>
-                <a:uFillTx/>
-                <a:latin typeface="Arial" charset="0"/>
-                <a:ea typeface="ＭＳ Ｐゴシック" charset="-128"/>
-              </a:rPr>
-              <a:t> li”</a:t>
+              <a:t>      “#main-content li”</a:t>
             </a:r>
           </a:p>
           <a:p>
@@ -21145,104 +20979,6 @@
           </a:p>
         </p:txBody>
       </p:sp>
-      <p:pic>
-        <p:nvPicPr>
-          <p:cNvPr id="12" name="Picture 11">
-            <a:extLst>
-              <a:ext uri="{FF2B5EF4-FFF2-40B4-BE49-F238E27FC236}">
-                <a16:creationId xmlns:a16="http://schemas.microsoft.com/office/drawing/2014/main" id="{C4A74F80-06B7-4C5B-874B-150501C72767}"/>
-              </a:ext>
-            </a:extLst>
-          </p:cNvPr>
-          <p:cNvPicPr>
-            <a:picLocks noChangeAspect="1"/>
-          </p:cNvPicPr>
-          <p:nvPr/>
-        </p:nvPicPr>
-        <p:blipFill>
-          <a:blip r:embed="rId4"/>
-          <a:stretch>
-            <a:fillRect/>
-          </a:stretch>
-        </p:blipFill>
-        <p:spPr>
-          <a:xfrm>
-            <a:off x="3733800" y="1822245"/>
-            <a:ext cx="5181582" cy="297186"/>
-          </a:xfrm>
-          <a:prstGeom prst="rect">
-            <a:avLst/>
-          </a:prstGeom>
-          <a:ln>
-            <a:solidFill>
-              <a:srgbClr val="404040"/>
-            </a:solidFill>
-          </a:ln>
-        </p:spPr>
-        <p:style>
-          <a:lnRef idx="2">
-            <a:schemeClr val="dk1"/>
-          </a:lnRef>
-          <a:fillRef idx="1">
-            <a:schemeClr val="lt1"/>
-          </a:fillRef>
-          <a:effectRef idx="0">
-            <a:schemeClr val="dk1"/>
-          </a:effectRef>
-          <a:fontRef idx="minor">
-            <a:schemeClr val="dk1"/>
-          </a:fontRef>
-        </p:style>
-      </p:pic>
-      <p:pic>
-        <p:nvPicPr>
-          <p:cNvPr id="3" name="Picture 2">
-            <a:extLst>
-              <a:ext uri="{FF2B5EF4-FFF2-40B4-BE49-F238E27FC236}">
-                <a16:creationId xmlns:a16="http://schemas.microsoft.com/office/drawing/2014/main" id="{874FCECB-5B35-4F51-A4F0-4F8012C15E01}"/>
-              </a:ext>
-            </a:extLst>
-          </p:cNvPr>
-          <p:cNvPicPr>
-            <a:picLocks noChangeAspect="1"/>
-          </p:cNvPicPr>
-          <p:nvPr/>
-        </p:nvPicPr>
-        <p:blipFill>
-          <a:blip r:embed="rId5"/>
-          <a:stretch>
-            <a:fillRect/>
-          </a:stretch>
-        </p:blipFill>
-        <p:spPr>
-          <a:xfrm>
-            <a:off x="3603837" y="4138493"/>
-            <a:ext cx="5441507" cy="636329"/>
-          </a:xfrm>
-          <a:prstGeom prst="rect">
-            <a:avLst/>
-          </a:prstGeom>
-          <a:ln>
-            <a:solidFill>
-              <a:srgbClr val="404040"/>
-            </a:solidFill>
-          </a:ln>
-        </p:spPr>
-        <p:style>
-          <a:lnRef idx="2">
-            <a:schemeClr val="dk1"/>
-          </a:lnRef>
-          <a:fillRef idx="1">
-            <a:schemeClr val="lt1"/>
-          </a:fillRef>
-          <a:effectRef idx="0">
-            <a:schemeClr val="dk1"/>
-          </a:effectRef>
-          <a:fontRef idx="minor">
-            <a:schemeClr val="dk1"/>
-          </a:fontRef>
-        </p:style>
-      </p:pic>
       <p:sp>
         <p:nvSpPr>
           <p:cNvPr id="5" name="Left Brace 4">
@@ -21335,13 +21071,14 @@
           </p:cNvPr>
           <p:cNvCxnSpPr>
             <a:cxnSpLocks/>
+            <a:stCxn id="5" idx="1"/>
           </p:cNvCxnSpPr>
           <p:nvPr/>
         </p:nvCxnSpPr>
         <p:spPr>
           <a:xfrm>
-            <a:off x="6680347" y="3319760"/>
-            <a:ext cx="634853" cy="1040573"/>
+            <a:off x="6688500" y="3319760"/>
+            <a:ext cx="931500" cy="1223946"/>
           </a:xfrm>
           <a:prstGeom prst="straightConnector1">
             <a:avLst/>
@@ -21368,6 +21105,41 @@
           </a:fontRef>
         </p:style>
       </p:cxnSp>
+      <p:pic>
+        <p:nvPicPr>
+          <p:cNvPr id="7" name="Picture 6">
+            <a:extLst>
+              <a:ext uri="{FF2B5EF4-FFF2-40B4-BE49-F238E27FC236}">
+                <a16:creationId xmlns:a16="http://schemas.microsoft.com/office/drawing/2014/main" id="{D5D6021E-C247-4D1A-D0C0-455280303634}"/>
+              </a:ext>
+            </a:extLst>
+          </p:cNvPr>
+          <p:cNvPicPr>
+            <a:picLocks noChangeAspect="1"/>
+          </p:cNvPicPr>
+          <p:nvPr/>
+        </p:nvPicPr>
+        <p:blipFill>
+          <a:blip r:embed="rId5"/>
+          <a:stretch>
+            <a:fillRect/>
+          </a:stretch>
+        </p:blipFill>
+        <p:spPr>
+          <a:xfrm>
+            <a:off x="3687669" y="1900955"/>
+            <a:ext cx="5273842" cy="339827"/>
+          </a:xfrm>
+          <a:prstGeom prst="rect">
+            <a:avLst/>
+          </a:prstGeom>
+          <a:ln w="28575">
+            <a:solidFill>
+              <a:srgbClr val="404040"/>
+            </a:solidFill>
+          </a:ln>
+        </p:spPr>
+      </p:pic>
     </p:spTree>
     <p:custDataLst>
       <p:tags r:id="rId1"/>
